--- a/packages/ppt-paste-server/test/test-harness/fixtures/presentation3.pptx
+++ b/packages/ppt-paste-server/test/test-harness/fixtures/presentation3.pptx
@@ -5,19 +5,20 @@
     <p:sldMasterId id="2147483648" r:id="rId1"/>
   </p:sldMasterIdLst>
   <p:notesMasterIdLst>
-    <p:notesMasterId r:id="rId12"/>
+    <p:notesMasterId r:id="rId13"/>
   </p:notesMasterIdLst>
   <p:sldIdLst>
     <p:sldId id="262" r:id="rId2"/>
-    <p:sldId id="309" r:id="rId3"/>
-    <p:sldId id="324" r:id="rId4"/>
-    <p:sldId id="290" r:id="rId5"/>
-    <p:sldId id="291" r:id="rId6"/>
-    <p:sldId id="279" r:id="rId7"/>
-    <p:sldId id="292" r:id="rId8"/>
-    <p:sldId id="295" r:id="rId9"/>
-    <p:sldId id="332" r:id="rId10"/>
-    <p:sldId id="310" r:id="rId11"/>
+    <p:sldId id="2147139041" r:id="rId3"/>
+    <p:sldId id="309" r:id="rId4"/>
+    <p:sldId id="324" r:id="rId5"/>
+    <p:sldId id="290" r:id="rId6"/>
+    <p:sldId id="291" r:id="rId7"/>
+    <p:sldId id="279" r:id="rId8"/>
+    <p:sldId id="292" r:id="rId9"/>
+    <p:sldId id="295" r:id="rId10"/>
+    <p:sldId id="332" r:id="rId11"/>
+    <p:sldId id="310" r:id="rId12"/>
   </p:sldIdLst>
   <p:sldSz cx="12192000" cy="6858000"/>
   <p:notesSz cx="6858000" cy="9144000"/>
@@ -553,7 +554,7 @@
           <a:p>
             <a:fld id="{00261774-8B75-4E74-962C-1DC0D1DF166E}" type="slidenum">
               <a:rPr lang="en-NL" smtClean="0"/>
-              <a:t>3</a:t>
+              <a:t>4</a:t>
             </a:fld>
             <a:endParaRPr lang="en-NL"/>
           </a:p>
@@ -694,7 +695,7 @@
           <a:p>
             <a:fld id="{00261774-8B75-4E74-962C-1DC0D1DF166E}" type="slidenum">
               <a:rPr lang="en-NL" smtClean="0"/>
-              <a:t>4</a:t>
+              <a:t>5</a:t>
             </a:fld>
             <a:endParaRPr lang="en-NL"/>
           </a:p>
@@ -811,7 +812,7 @@
           <a:p>
             <a:fld id="{00261774-8B75-4E74-962C-1DC0D1DF166E}" type="slidenum">
               <a:rPr lang="en-NL" smtClean="0"/>
-              <a:t>5</a:t>
+              <a:t>6</a:t>
             </a:fld>
             <a:endParaRPr lang="en-NL"/>
           </a:p>
@@ -900,7 +901,7 @@
           <a:p>
             <a:fld id="{86387322-DF05-4001-A552-6EE4DAB21027}" type="slidenum">
               <a:rPr lang="en-GB" smtClean="0"/>
-              <a:t>6</a:t>
+              <a:t>7</a:t>
             </a:fld>
             <a:endParaRPr lang="en-GB"/>
           </a:p>
@@ -1018,7 +1019,7 @@
           <a:p>
             <a:fld id="{00261774-8B75-4E74-962C-1DC0D1DF166E}" type="slidenum">
               <a:rPr lang="en-NL" smtClean="0"/>
-              <a:t>7</a:t>
+              <a:t>8</a:t>
             </a:fld>
             <a:endParaRPr lang="en-NL"/>
           </a:p>
@@ -1102,7 +1103,7 @@
           <a:p>
             <a:fld id="{00261774-8B75-4E74-962C-1DC0D1DF166E}" type="slidenum">
               <a:rPr lang="en-NL" smtClean="0"/>
-              <a:t>8</a:t>
+              <a:t>9</a:t>
             </a:fld>
             <a:endParaRPr lang="en-NL"/>
           </a:p>
@@ -2942,6 +2943,914 @@
   <p:clrMapOvr>
     <a:masterClrMapping/>
   </p:clrMapOvr>
+</p:sldLayout>
+</file>
+
+<file path=ppt/slideLayouts/slideLayout15.xml><?xml version="1.0" encoding="utf-8"?>
+<p:sldLayout xmlns:a="http://schemas.openxmlformats.org/drawingml/2006/main" xmlns:r="http://schemas.openxmlformats.org/officeDocument/2006/relationships" xmlns:p="http://schemas.openxmlformats.org/presentationml/2006/main">
+  <p:cSld name="Three columns">
+    <p:spTree>
+      <p:nvGrpSpPr>
+        <p:cNvPr id="1" name=""/>
+        <p:cNvGrpSpPr/>
+        <p:nvPr/>
+      </p:nvGrpSpPr>
+      <p:grpSpPr>
+        <a:xfrm>
+          <a:off x="0" y="0"/>
+          <a:ext cx="0" cy="0"/>
+          <a:chOff x="0" y="0"/>
+          <a:chExt cx="0" cy="0"/>
+        </a:xfrm>
+      </p:grpSpPr>
+      <p:graphicFrame>
+        <p:nvGraphicFramePr>
+          <p:cNvPr id="2" name="Object 1" hidden="1">
+            <a:extLst>
+              <a:ext uri="{FF2B5EF4-FFF2-40B4-BE49-F238E27FC236}">
+                <a16:creationId xmlns:a16="http://schemas.microsoft.com/office/drawing/2014/main" id="{F7343B28-985F-4E8C-90A5-50656B5B45A7}"/>
+              </a:ext>
+            </a:extLst>
+          </p:cNvPr>
+          <p:cNvGraphicFramePr>
+            <a:graphicFrameLocks noChangeAspect="1"/>
+          </p:cNvGraphicFramePr>
+          <p:nvPr>
+            <p:custDataLst>
+              <p:tags r:id="rId1"/>
+            </p:custDataLst>
+            <p:extLst>
+              <p:ext uri="{D42A27DB-BD31-4B8C-83A1-F6EECF244321}">
+                <p14:modId xmlns:p14="http://schemas.microsoft.com/office/powerpoint/2010/main" val="246088876"/>
+              </p:ext>
+            </p:extLst>
+          </p:nvPr>
+        </p:nvGraphicFramePr>
+        <p:xfrm>
+          <a:off x="1588" y="1588"/>
+          <a:ext cx="1588" cy="1588"/>
+        </p:xfrm>
+        <a:graphic>
+          <a:graphicData uri="http://schemas.openxmlformats.org/presentationml/2006/ole">
+            <mc:AlternateContent xmlns:mc="http://schemas.openxmlformats.org/markup-compatibility/2006">
+              <mc:Choice xmlns:v="urn:schemas-microsoft-com:vml" Requires="v">
+                <p:oleObj name="think-cell Slide" r:id="rId4" imgW="360" imgH="360" progId="TCLayout.ActiveDocument.1">
+                  <p:embed/>
+                </p:oleObj>
+              </mc:Choice>
+              <mc:Fallback>
+                <p:oleObj name="think-cell Slide" r:id="rId4" imgW="360" imgH="360" progId="TCLayout.ActiveDocument.1">
+                  <p:embed/>
+                  <p:pic>
+                    <p:nvPicPr>
+                      <p:cNvPr id="2" name="Object 1" hidden="1">
+                        <a:extLst>
+                          <a:ext uri="{FF2B5EF4-FFF2-40B4-BE49-F238E27FC236}">
+                            <a16:creationId xmlns:a16="http://schemas.microsoft.com/office/drawing/2014/main" id="{F7343B28-985F-4E8C-90A5-50656B5B45A7}"/>
+                          </a:ext>
+                        </a:extLst>
+                      </p:cNvPr>
+                      <p:cNvPicPr/>
+                      <p:nvPr/>
+                    </p:nvPicPr>
+                    <p:blipFill>
+                      <a:blip r:embed="rId5"/>
+                      <a:stretch>
+                        <a:fillRect/>
+                      </a:stretch>
+                    </p:blipFill>
+                    <p:spPr>
+                      <a:xfrm>
+                        <a:off x="1588" y="1588"/>
+                        <a:ext cx="1588" cy="1588"/>
+                      </a:xfrm>
+                      <a:prstGeom prst="rect">
+                        <a:avLst/>
+                      </a:prstGeom>
+                    </p:spPr>
+                  </p:pic>
+                </p:oleObj>
+              </mc:Fallback>
+            </mc:AlternateContent>
+          </a:graphicData>
+        </a:graphic>
+      </p:graphicFrame>
+      <p:sp>
+        <p:nvSpPr>
+          <p:cNvPr id="9" name="Rectangle 8" hidden="1">
+            <a:extLst>
+              <a:ext uri="{FF2B5EF4-FFF2-40B4-BE49-F238E27FC236}">
+                <a16:creationId xmlns:a16="http://schemas.microsoft.com/office/drawing/2014/main" id="{C259B84E-8E03-4A44-A478-E96929023549}"/>
+              </a:ext>
+            </a:extLst>
+          </p:cNvPr>
+          <p:cNvSpPr/>
+          <p:nvPr>
+            <p:custDataLst>
+              <p:tags r:id="rId2"/>
+            </p:custDataLst>
+          </p:nvPr>
+        </p:nvSpPr>
+        <p:spPr bwMode="auto">
+          <a:xfrm>
+            <a:off x="0" y="0"/>
+            <a:ext cx="158750" cy="158750"/>
+          </a:xfrm>
+          <a:prstGeom prst="rect">
+            <a:avLst/>
+          </a:prstGeom>
+          <a:solidFill>
+            <a:srgbClr val="FFFF00"/>
+          </a:solidFill>
+          <a:ln w="6350" cap="flat" cmpd="sng" algn="ctr">
+            <a:noFill/>
+            <a:prstDash val="solid"/>
+            <a:round/>
+            <a:headEnd type="none" w="med" len="med"/>
+            <a:tailEnd type="none" w="med" len="med"/>
+          </a:ln>
+          <a:effectLst/>
+        </p:spPr>
+        <p:txBody>
+          <a:bodyPr vert="horz" wrap="none" lIns="0" tIns="0" rIns="0" bIns="0" numCol="1" spcCol="0" rtlCol="0" anchor="t" anchorCtr="0" compatLnSpc="1">
+            <a:prstTxWarp prst="textNoShape">
+              <a:avLst/>
+            </a:prstTxWarp>
+            <a:noAutofit/>
+          </a:bodyPr>
+          <a:lstStyle/>
+          <a:p>
+            <a:pPr marL="0" marR="0" lvl="0" indent="0" algn="l" defTabSz="728663" rtl="0" eaLnBrk="1" fontAlgn="base" latinLnBrk="0" hangingPunct="1">
+              <a:spcBef>
+                <a:spcPct val="0"/>
+              </a:spcBef>
+              <a:spcAft>
+                <a:spcPct val="0"/>
+              </a:spcAft>
+              <a:buSzTx/>
+              <a:buFontTx/>
+              <a:buNone/>
+              <a:tabLst>
+                <a:tab pos="4286250" algn="l"/>
+              </a:tabLst>
+            </a:pPr>
+            <a:endParaRPr kumimoji="0" lang="en-US" sz="2200" b="1" i="0" u="none" strike="noStrike" cap="none" normalizeH="0" baseline="0">
+              <a:ln>
+                <a:noFill/>
+              </a:ln>
+              <a:solidFill>
+                <a:srgbClr val="000000"/>
+              </a:solidFill>
+              <a:effectLst/>
+              <a:latin typeface="Arial" panose="020B0604020202020204" pitchFamily="34" charset="0"/>
+              <a:ea typeface="+mj-ea"/>
+              <a:cs typeface="Arial" panose="020B0604020202020204" pitchFamily="34" charset="0"/>
+              <a:sym typeface="Arial" panose="020B0604020202020204" pitchFamily="34" charset="0"/>
+            </a:endParaRPr>
+          </a:p>
+        </p:txBody>
+      </p:sp>
+      <p:sp>
+        <p:nvSpPr>
+          <p:cNvPr id="3" name="Content Placeholder 2"/>
+          <p:cNvSpPr>
+            <a:spLocks noGrp="1"/>
+          </p:cNvSpPr>
+          <p:nvPr>
+            <p:ph sz="quarter" idx="13" hasCustomPrompt="1"/>
+          </p:nvPr>
+        </p:nvSpPr>
+        <p:spPr>
+          <a:xfrm>
+            <a:off x="587375" y="1414109"/>
+            <a:ext cx="3420000" cy="36000"/>
+          </a:xfrm>
+          <a:prstGeom prst="rect">
+            <a:avLst/>
+          </a:prstGeom>
+          <a:solidFill>
+            <a:schemeClr val="accent1"/>
+          </a:solidFill>
+        </p:spPr>
+        <p:txBody>
+          <a:bodyPr bIns="72000" anchor="b">
+            <a:noAutofit/>
+          </a:bodyPr>
+          <a:lstStyle>
+            <a:lvl1pPr marL="0" indent="0">
+              <a:buNone/>
+              <a:defRPr sz="1800">
+                <a:solidFill>
+                  <a:schemeClr val="accent1"/>
+                </a:solidFill>
+              </a:defRPr>
+            </a:lvl1pPr>
+            <a:lvl2pPr>
+              <a:defRPr sz="1200" baseline="0"/>
+            </a:lvl2pPr>
+            <a:lvl3pPr>
+              <a:defRPr sz="1200"/>
+            </a:lvl3pPr>
+            <a:lvl4pPr>
+              <a:defRPr sz="1200"/>
+            </a:lvl4pPr>
+            <a:lvl5pPr marL="706421" indent="-238119">
+              <a:buFont typeface="Arial" panose="020B0604020202020204" pitchFamily="34" charset="0"/>
+              <a:buChar char="•"/>
+              <a:defRPr sz="1200"/>
+            </a:lvl5pPr>
+          </a:lstStyle>
+          <a:p>
+            <a:pPr lvl="0"/>
+            <a:r>
+              <a:rPr lang="en-US"/>
+              <a:t>Subheading 1</a:t>
+            </a:r>
+          </a:p>
+        </p:txBody>
+      </p:sp>
+      <p:sp>
+        <p:nvSpPr>
+          <p:cNvPr id="18" name="Content Placeholder 2"/>
+          <p:cNvSpPr>
+            <a:spLocks noGrp="1"/>
+          </p:cNvSpPr>
+          <p:nvPr>
+            <p:ph sz="quarter" idx="17" hasCustomPrompt="1"/>
+          </p:nvPr>
+        </p:nvSpPr>
+        <p:spPr>
+          <a:xfrm>
+            <a:off x="8221137" y="1414109"/>
+            <a:ext cx="3420000" cy="36000"/>
+          </a:xfrm>
+          <a:prstGeom prst="rect">
+            <a:avLst/>
+          </a:prstGeom>
+          <a:solidFill>
+            <a:schemeClr val="accent1"/>
+          </a:solidFill>
+        </p:spPr>
+        <p:txBody>
+          <a:bodyPr bIns="72000" anchor="b">
+            <a:noAutofit/>
+          </a:bodyPr>
+          <a:lstStyle>
+            <a:lvl1pPr marL="0" indent="0">
+              <a:buNone/>
+              <a:defRPr sz="1800">
+                <a:solidFill>
+                  <a:schemeClr val="accent1"/>
+                </a:solidFill>
+              </a:defRPr>
+            </a:lvl1pPr>
+            <a:lvl2pPr>
+              <a:defRPr sz="1200" baseline="0"/>
+            </a:lvl2pPr>
+            <a:lvl3pPr>
+              <a:defRPr sz="1200"/>
+            </a:lvl3pPr>
+            <a:lvl4pPr>
+              <a:defRPr sz="1200"/>
+            </a:lvl4pPr>
+            <a:lvl5pPr marL="706421" indent="-238119">
+              <a:buFont typeface="Arial" panose="020B0604020202020204" pitchFamily="34" charset="0"/>
+              <a:buChar char="•"/>
+              <a:defRPr sz="1200"/>
+            </a:lvl5pPr>
+          </a:lstStyle>
+          <a:p>
+            <a:pPr lvl="0"/>
+            <a:r>
+              <a:rPr lang="en-US"/>
+              <a:t>Subheading 3</a:t>
+            </a:r>
+          </a:p>
+        </p:txBody>
+      </p:sp>
+      <p:sp>
+        <p:nvSpPr>
+          <p:cNvPr id="13" name="Title Placeholder 7">
+            <a:extLst>
+              <a:ext uri="{FF2B5EF4-FFF2-40B4-BE49-F238E27FC236}">
+                <a16:creationId xmlns:a16="http://schemas.microsoft.com/office/drawing/2014/main" id="{A865CAB8-88B3-4F74-809C-899E604012E5}"/>
+              </a:ext>
+            </a:extLst>
+          </p:cNvPr>
+          <p:cNvSpPr>
+            <a:spLocks noGrp="1"/>
+          </p:cNvSpPr>
+          <p:nvPr>
+            <p:ph type="title" hasCustomPrompt="1"/>
+          </p:nvPr>
+        </p:nvSpPr>
+        <p:spPr>
+          <a:xfrm>
+            <a:off x="587375" y="129662"/>
+            <a:ext cx="11053762" cy="670438"/>
+          </a:xfrm>
+          <a:prstGeom prst="rect">
+            <a:avLst/>
+          </a:prstGeom>
+        </p:spPr>
+        <p:txBody>
+          <a:bodyPr vert="horz" lIns="91440" tIns="45720" rIns="91440" bIns="45720" rtlCol="0" anchor="b">
+            <a:noAutofit/>
+          </a:bodyPr>
+          <a:lstStyle/>
+          <a:p>
+            <a:r>
+              <a:rPr lang="en-US"/>
+              <a:t>Type to add title</a:t>
+            </a:r>
+            <a:endParaRPr lang="en-GB"/>
+          </a:p>
+        </p:txBody>
+      </p:sp>
+      <p:sp>
+        <p:nvSpPr>
+          <p:cNvPr id="5" name="Footer Placeholder 4">
+            <a:extLst>
+              <a:ext uri="{FF2B5EF4-FFF2-40B4-BE49-F238E27FC236}">
+                <a16:creationId xmlns:a16="http://schemas.microsoft.com/office/drawing/2014/main" id="{C536C505-EAAF-47B8-B871-1AF82ACA24C8}"/>
+              </a:ext>
+            </a:extLst>
+          </p:cNvPr>
+          <p:cNvSpPr>
+            <a:spLocks noGrp="1"/>
+          </p:cNvSpPr>
+          <p:nvPr>
+            <p:ph type="ftr" sz="quarter" idx="20"/>
+          </p:nvPr>
+        </p:nvSpPr>
+        <p:spPr/>
+        <p:txBody>
+          <a:bodyPr/>
+          <a:lstStyle/>
+          <a:p>
+            <a:r>
+              <a:rPr lang="en-GB"/>
+              <a:t>Notes:</a:t>
+            </a:r>
+          </a:p>
+          <a:p>
+            <a:r>
+              <a:rPr lang="en-GB"/>
+              <a:t>Source:</a:t>
+            </a:r>
+          </a:p>
+        </p:txBody>
+      </p:sp>
+      <p:sp>
+        <p:nvSpPr>
+          <p:cNvPr id="7" name="Slide Number Placeholder 6">
+            <a:extLst>
+              <a:ext uri="{FF2B5EF4-FFF2-40B4-BE49-F238E27FC236}">
+                <a16:creationId xmlns:a16="http://schemas.microsoft.com/office/drawing/2014/main" id="{418918C2-7888-42AB-A9A9-03CB44A2A7A1}"/>
+              </a:ext>
+            </a:extLst>
+          </p:cNvPr>
+          <p:cNvSpPr>
+            <a:spLocks noGrp="1"/>
+          </p:cNvSpPr>
+          <p:nvPr>
+            <p:ph type="sldNum" sz="quarter" idx="21"/>
+          </p:nvPr>
+        </p:nvSpPr>
+        <p:spPr/>
+        <p:txBody>
+          <a:bodyPr/>
+          <a:lstStyle/>
+          <a:p>
+            <a:fld id="{8F91DE98-5B9A-4C57-AF25-752D64D42599}" type="slidenum">
+              <a:rPr lang="en-GB" smtClean="0"/>
+              <a:pPr/>
+              <a:t>‹#›</a:t>
+            </a:fld>
+            <a:endParaRPr lang="en-GB"/>
+          </a:p>
+        </p:txBody>
+      </p:sp>
+      <p:sp>
+        <p:nvSpPr>
+          <p:cNvPr id="15" name="Content Placeholder 2">
+            <a:extLst>
+              <a:ext uri="{FF2B5EF4-FFF2-40B4-BE49-F238E27FC236}">
+                <a16:creationId xmlns:a16="http://schemas.microsoft.com/office/drawing/2014/main" id="{A252E9A8-014F-4911-8E24-5C3B065309FD}"/>
+              </a:ext>
+            </a:extLst>
+          </p:cNvPr>
+          <p:cNvSpPr>
+            <a:spLocks noGrp="1"/>
+          </p:cNvSpPr>
+          <p:nvPr>
+            <p:ph sz="quarter" idx="22" hasCustomPrompt="1"/>
+          </p:nvPr>
+        </p:nvSpPr>
+        <p:spPr>
+          <a:xfrm>
+            <a:off x="4410077" y="1414109"/>
+            <a:ext cx="3420000" cy="36000"/>
+          </a:xfrm>
+          <a:prstGeom prst="rect">
+            <a:avLst/>
+          </a:prstGeom>
+          <a:solidFill>
+            <a:schemeClr val="accent1"/>
+          </a:solidFill>
+        </p:spPr>
+        <p:txBody>
+          <a:bodyPr bIns="72000" anchor="b">
+            <a:noAutofit/>
+          </a:bodyPr>
+          <a:lstStyle>
+            <a:lvl1pPr marL="0" indent="0">
+              <a:buNone/>
+              <a:defRPr sz="1800">
+                <a:solidFill>
+                  <a:schemeClr val="accent1"/>
+                </a:solidFill>
+              </a:defRPr>
+            </a:lvl1pPr>
+            <a:lvl2pPr>
+              <a:defRPr sz="1200" baseline="0"/>
+            </a:lvl2pPr>
+            <a:lvl3pPr>
+              <a:defRPr sz="1200"/>
+            </a:lvl3pPr>
+            <a:lvl4pPr>
+              <a:defRPr sz="1200"/>
+            </a:lvl4pPr>
+            <a:lvl5pPr marL="706421" indent="-238119">
+              <a:buFont typeface="Arial" panose="020B0604020202020204" pitchFamily="34" charset="0"/>
+              <a:buChar char="•"/>
+              <a:defRPr sz="1200"/>
+            </a:lvl5pPr>
+          </a:lstStyle>
+          <a:p>
+            <a:pPr lvl="0"/>
+            <a:r>
+              <a:rPr lang="en-US"/>
+              <a:t>Subheading 2</a:t>
+            </a:r>
+          </a:p>
+        </p:txBody>
+      </p:sp>
+      <p:sp>
+        <p:nvSpPr>
+          <p:cNvPr id="20" name="Text Placeholder 5">
+            <a:extLst>
+              <a:ext uri="{FF2B5EF4-FFF2-40B4-BE49-F238E27FC236}">
+                <a16:creationId xmlns:a16="http://schemas.microsoft.com/office/drawing/2014/main" id="{70D123A2-3A3A-4384-9908-E5C523004572}"/>
+              </a:ext>
+            </a:extLst>
+          </p:cNvPr>
+          <p:cNvSpPr>
+            <a:spLocks noGrp="1"/>
+          </p:cNvSpPr>
+          <p:nvPr>
+            <p:ph type="body" sz="quarter" idx="19" hasCustomPrompt="1"/>
+          </p:nvPr>
+        </p:nvSpPr>
+        <p:spPr>
+          <a:xfrm>
+            <a:off x="4410077" y="1665288"/>
+            <a:ext cx="3420000" cy="4489736"/>
+          </a:xfrm>
+        </p:spPr>
+        <p:txBody>
+          <a:bodyPr/>
+          <a:lstStyle>
+            <a:lvl1pPr>
+              <a:spcBef>
+                <a:spcPts val="600"/>
+              </a:spcBef>
+              <a:defRPr/>
+            </a:lvl1pPr>
+            <a:lvl2pPr marL="450850" indent="-266700">
+              <a:spcBef>
+                <a:spcPts val="0"/>
+              </a:spcBef>
+              <a:buClrTx/>
+              <a:buFont typeface="Arial" panose="020B0604020202020204" pitchFamily="34" charset="0"/>
+              <a:buChar char="•"/>
+              <a:defRPr/>
+            </a:lvl2pPr>
+            <a:lvl3pPr marL="627063" indent="-266700">
+              <a:buClrTx/>
+              <a:defRPr sz="1600"/>
+            </a:lvl3pPr>
+            <a:lvl4pPr marL="804863" indent="-266700">
+              <a:buClrTx/>
+              <a:defRPr sz="1400"/>
+            </a:lvl4pPr>
+            <a:lvl5pPr marL="982663" indent="-271463">
+              <a:buClrTx/>
+              <a:defRPr sz="1200"/>
+            </a:lvl5pPr>
+            <a:lvl6pPr marL="1166813" indent="-268288">
+              <a:buFont typeface="Arial" panose="020B0604020202020204" pitchFamily="34" charset="0"/>
+              <a:buChar char="•"/>
+              <a:defRPr sz="1000"/>
+            </a:lvl6pPr>
+            <a:lvl7pPr marL="1254125" indent="-174625">
+              <a:buFont typeface="Arial" panose="020B0604020202020204" pitchFamily="34" charset="0"/>
+              <a:buChar char="•"/>
+              <a:defRPr sz="1000"/>
+            </a:lvl7pPr>
+            <a:lvl8pPr marL="1525588" indent="-179388">
+              <a:buFont typeface="Arial" panose="020B0604020202020204" pitchFamily="34" charset="0"/>
+              <a:buChar char="•"/>
+              <a:defRPr sz="1000"/>
+            </a:lvl8pPr>
+            <a:lvl9pPr marL="1704975" indent="-179388">
+              <a:buFont typeface="Arial" panose="020B0604020202020204" pitchFamily="34" charset="0"/>
+              <a:buChar char="•"/>
+              <a:defRPr sz="1000"/>
+            </a:lvl9pPr>
+          </a:lstStyle>
+          <a:p>
+            <a:pPr lvl="0"/>
+            <a:r>
+              <a:rPr lang="en-US"/>
+              <a:t>Click to type</a:t>
+            </a:r>
+          </a:p>
+          <a:p>
+            <a:pPr lvl="1"/>
+            <a:r>
+              <a:rPr lang="en-US"/>
+              <a:t>Second level</a:t>
+            </a:r>
+          </a:p>
+          <a:p>
+            <a:pPr lvl="2"/>
+            <a:r>
+              <a:rPr lang="en-US"/>
+              <a:t>Third level</a:t>
+            </a:r>
+          </a:p>
+          <a:p>
+            <a:pPr lvl="3"/>
+            <a:r>
+              <a:rPr lang="en-US"/>
+              <a:t>Fourth level</a:t>
+            </a:r>
+          </a:p>
+          <a:p>
+            <a:pPr lvl="4"/>
+            <a:r>
+              <a:rPr lang="en-US"/>
+              <a:t>Fifth level</a:t>
+            </a:r>
+          </a:p>
+          <a:p>
+            <a:pPr lvl="5"/>
+            <a:r>
+              <a:rPr lang="en-US"/>
+              <a:t>Sixth level</a:t>
+            </a:r>
+          </a:p>
+          <a:p>
+            <a:pPr lvl="6"/>
+            <a:r>
+              <a:rPr lang="en-US"/>
+              <a:t>Seventh</a:t>
+            </a:r>
+          </a:p>
+          <a:p>
+            <a:pPr lvl="7"/>
+            <a:r>
+              <a:rPr lang="en-US"/>
+              <a:t>Eight</a:t>
+            </a:r>
+          </a:p>
+          <a:p>
+            <a:pPr lvl="8"/>
+            <a:r>
+              <a:rPr lang="en-US"/>
+              <a:t>Ninth</a:t>
+            </a:r>
+          </a:p>
+        </p:txBody>
+      </p:sp>
+      <p:sp>
+        <p:nvSpPr>
+          <p:cNvPr id="21" name="Text Placeholder 5">
+            <a:extLst>
+              <a:ext uri="{FF2B5EF4-FFF2-40B4-BE49-F238E27FC236}">
+                <a16:creationId xmlns:a16="http://schemas.microsoft.com/office/drawing/2014/main" id="{7ECE72D1-9E62-4D50-B326-F9EA0549299C}"/>
+              </a:ext>
+            </a:extLst>
+          </p:cNvPr>
+          <p:cNvSpPr>
+            <a:spLocks noGrp="1"/>
+          </p:cNvSpPr>
+          <p:nvPr>
+            <p:ph type="body" sz="quarter" idx="23" hasCustomPrompt="1"/>
+          </p:nvPr>
+        </p:nvSpPr>
+        <p:spPr>
+          <a:xfrm>
+            <a:off x="587375" y="1665288"/>
+            <a:ext cx="3420000" cy="4489736"/>
+          </a:xfrm>
+        </p:spPr>
+        <p:txBody>
+          <a:bodyPr/>
+          <a:lstStyle>
+            <a:lvl1pPr>
+              <a:spcBef>
+                <a:spcPts val="600"/>
+              </a:spcBef>
+              <a:defRPr/>
+            </a:lvl1pPr>
+            <a:lvl2pPr marL="450850" indent="-266700">
+              <a:spcBef>
+                <a:spcPts val="0"/>
+              </a:spcBef>
+              <a:buClrTx/>
+              <a:buFont typeface="Arial" panose="020B0604020202020204" pitchFamily="34" charset="0"/>
+              <a:buChar char="•"/>
+              <a:defRPr/>
+            </a:lvl2pPr>
+            <a:lvl3pPr marL="627063" indent="-266700">
+              <a:buClrTx/>
+              <a:defRPr sz="1600"/>
+            </a:lvl3pPr>
+            <a:lvl4pPr marL="804863" indent="-266700">
+              <a:buClrTx/>
+              <a:defRPr sz="1400"/>
+            </a:lvl4pPr>
+            <a:lvl5pPr marL="982663" indent="-271463">
+              <a:buClrTx/>
+              <a:defRPr sz="1200"/>
+            </a:lvl5pPr>
+            <a:lvl6pPr marL="1166813" indent="-268288">
+              <a:buFont typeface="Arial" panose="020B0604020202020204" pitchFamily="34" charset="0"/>
+              <a:buChar char="•"/>
+              <a:defRPr sz="1000"/>
+            </a:lvl6pPr>
+            <a:lvl7pPr marL="1254125" indent="-174625">
+              <a:buFont typeface="Arial" panose="020B0604020202020204" pitchFamily="34" charset="0"/>
+              <a:buChar char="•"/>
+              <a:defRPr sz="1000"/>
+            </a:lvl7pPr>
+            <a:lvl8pPr marL="1525588" indent="-179388">
+              <a:buFont typeface="Arial" panose="020B0604020202020204" pitchFamily="34" charset="0"/>
+              <a:buChar char="•"/>
+              <a:defRPr sz="1000"/>
+            </a:lvl8pPr>
+            <a:lvl9pPr marL="1704975" indent="-179388">
+              <a:buFont typeface="Arial" panose="020B0604020202020204" pitchFamily="34" charset="0"/>
+              <a:buChar char="•"/>
+              <a:defRPr sz="1000"/>
+            </a:lvl9pPr>
+          </a:lstStyle>
+          <a:p>
+            <a:pPr lvl="0"/>
+            <a:r>
+              <a:rPr lang="en-US"/>
+              <a:t>Click to type</a:t>
+            </a:r>
+          </a:p>
+          <a:p>
+            <a:pPr lvl="1"/>
+            <a:r>
+              <a:rPr lang="en-US"/>
+              <a:t>Second level</a:t>
+            </a:r>
+          </a:p>
+          <a:p>
+            <a:pPr lvl="2"/>
+            <a:r>
+              <a:rPr lang="en-US"/>
+              <a:t>Third level</a:t>
+            </a:r>
+          </a:p>
+          <a:p>
+            <a:pPr lvl="3"/>
+            <a:r>
+              <a:rPr lang="en-US"/>
+              <a:t>Fourth level</a:t>
+            </a:r>
+          </a:p>
+          <a:p>
+            <a:pPr lvl="4"/>
+            <a:r>
+              <a:rPr lang="en-US"/>
+              <a:t>Fifth level</a:t>
+            </a:r>
+          </a:p>
+          <a:p>
+            <a:pPr lvl="5"/>
+            <a:r>
+              <a:rPr lang="en-US"/>
+              <a:t>Sixth level</a:t>
+            </a:r>
+          </a:p>
+          <a:p>
+            <a:pPr lvl="6"/>
+            <a:r>
+              <a:rPr lang="en-US"/>
+              <a:t>Seventh</a:t>
+            </a:r>
+          </a:p>
+          <a:p>
+            <a:pPr lvl="7"/>
+            <a:r>
+              <a:rPr lang="en-US"/>
+              <a:t>Eight</a:t>
+            </a:r>
+          </a:p>
+          <a:p>
+            <a:pPr lvl="8"/>
+            <a:r>
+              <a:rPr lang="en-US"/>
+              <a:t>Ninth</a:t>
+            </a:r>
+          </a:p>
+        </p:txBody>
+      </p:sp>
+      <p:sp>
+        <p:nvSpPr>
+          <p:cNvPr id="22" name="Text Placeholder 5">
+            <a:extLst>
+              <a:ext uri="{FF2B5EF4-FFF2-40B4-BE49-F238E27FC236}">
+                <a16:creationId xmlns:a16="http://schemas.microsoft.com/office/drawing/2014/main" id="{BEEE0CC1-88AF-4DC0-8F2B-40791280E815}"/>
+              </a:ext>
+            </a:extLst>
+          </p:cNvPr>
+          <p:cNvSpPr>
+            <a:spLocks noGrp="1"/>
+          </p:cNvSpPr>
+          <p:nvPr>
+            <p:ph type="body" sz="quarter" idx="24" hasCustomPrompt="1"/>
+          </p:nvPr>
+        </p:nvSpPr>
+        <p:spPr>
+          <a:xfrm>
+            <a:off x="8221137" y="1665288"/>
+            <a:ext cx="3420000" cy="4489736"/>
+          </a:xfrm>
+        </p:spPr>
+        <p:txBody>
+          <a:bodyPr/>
+          <a:lstStyle>
+            <a:lvl1pPr>
+              <a:spcBef>
+                <a:spcPts val="600"/>
+              </a:spcBef>
+              <a:defRPr/>
+            </a:lvl1pPr>
+            <a:lvl2pPr marL="450850" indent="-266700">
+              <a:spcBef>
+                <a:spcPts val="0"/>
+              </a:spcBef>
+              <a:buClrTx/>
+              <a:buFont typeface="Arial" panose="020B0604020202020204" pitchFamily="34" charset="0"/>
+              <a:buChar char="•"/>
+              <a:defRPr/>
+            </a:lvl2pPr>
+            <a:lvl3pPr marL="627063" indent="-266700">
+              <a:buClrTx/>
+              <a:defRPr sz="1600"/>
+            </a:lvl3pPr>
+            <a:lvl4pPr marL="804863" indent="-266700">
+              <a:buClrTx/>
+              <a:defRPr sz="1400"/>
+            </a:lvl4pPr>
+            <a:lvl5pPr marL="982663" indent="-271463">
+              <a:buClrTx/>
+              <a:defRPr sz="1200"/>
+            </a:lvl5pPr>
+            <a:lvl6pPr marL="1166813" indent="-268288">
+              <a:buFont typeface="Arial" panose="020B0604020202020204" pitchFamily="34" charset="0"/>
+              <a:buChar char="•"/>
+              <a:defRPr sz="1000"/>
+            </a:lvl6pPr>
+            <a:lvl7pPr marL="1254125" indent="-174625">
+              <a:buFont typeface="Arial" panose="020B0604020202020204" pitchFamily="34" charset="0"/>
+              <a:buChar char="•"/>
+              <a:defRPr sz="1000"/>
+            </a:lvl7pPr>
+            <a:lvl8pPr marL="1525588" indent="-179388">
+              <a:buFont typeface="Arial" panose="020B0604020202020204" pitchFamily="34" charset="0"/>
+              <a:buChar char="•"/>
+              <a:defRPr sz="1000"/>
+            </a:lvl8pPr>
+            <a:lvl9pPr marL="1704975" indent="-179388">
+              <a:buFont typeface="Arial" panose="020B0604020202020204" pitchFamily="34" charset="0"/>
+              <a:buChar char="•"/>
+              <a:defRPr sz="1000"/>
+            </a:lvl9pPr>
+          </a:lstStyle>
+          <a:p>
+            <a:pPr lvl="0"/>
+            <a:r>
+              <a:rPr lang="en-US"/>
+              <a:t>Click to type</a:t>
+            </a:r>
+          </a:p>
+          <a:p>
+            <a:pPr lvl="1"/>
+            <a:r>
+              <a:rPr lang="en-US"/>
+              <a:t>Second level</a:t>
+            </a:r>
+          </a:p>
+          <a:p>
+            <a:pPr lvl="2"/>
+            <a:r>
+              <a:rPr lang="en-US"/>
+              <a:t>Third level</a:t>
+            </a:r>
+          </a:p>
+          <a:p>
+            <a:pPr lvl="3"/>
+            <a:r>
+              <a:rPr lang="en-US"/>
+              <a:t>Fourth level</a:t>
+            </a:r>
+          </a:p>
+          <a:p>
+            <a:pPr lvl="4"/>
+            <a:r>
+              <a:rPr lang="en-US"/>
+              <a:t>Fifth level</a:t>
+            </a:r>
+          </a:p>
+          <a:p>
+            <a:pPr lvl="5"/>
+            <a:r>
+              <a:rPr lang="en-US"/>
+              <a:t>Sixth level</a:t>
+            </a:r>
+          </a:p>
+          <a:p>
+            <a:pPr lvl="6"/>
+            <a:r>
+              <a:rPr lang="en-US"/>
+              <a:t>Seventh</a:t>
+            </a:r>
+          </a:p>
+          <a:p>
+            <a:pPr lvl="7"/>
+            <a:r>
+              <a:rPr lang="en-US"/>
+              <a:t>Eight</a:t>
+            </a:r>
+          </a:p>
+          <a:p>
+            <a:pPr lvl="8"/>
+            <a:r>
+              <a:rPr lang="en-US"/>
+              <a:t>Ninth</a:t>
+            </a:r>
+          </a:p>
+        </p:txBody>
+      </p:sp>
+    </p:spTree>
+    <p:extLst>
+      <p:ext uri="{BB962C8B-B14F-4D97-AF65-F5344CB8AC3E}">
+        <p14:creationId xmlns:p14="http://schemas.microsoft.com/office/powerpoint/2010/main" val="981010580"/>
+      </p:ext>
+    </p:extLst>
+  </p:cSld>
+  <p:clrMapOvr>
+    <a:masterClrMapping/>
+  </p:clrMapOvr>
+  <p:extLst>
+    <p:ext uri="{DCECCB84-F9BA-43D5-87BE-67443E8EF086}">
+      <p15:sldGuideLst xmlns:p15="http://schemas.microsoft.com/office/powerpoint/2012/main">
+        <p15:guide id="2" pos="3840">
+          <p15:clr>
+            <a:srgbClr val="FBAE40"/>
+          </p15:clr>
+        </p15:guide>
+        <p15:guide id="3" pos="370">
+          <p15:clr>
+            <a:srgbClr val="FBAE40"/>
+          </p15:clr>
+        </p15:guide>
+        <p15:guide id="4" pos="7333">
+          <p15:clr>
+            <a:srgbClr val="FBAE40"/>
+          </p15:clr>
+        </p15:guide>
+        <p15:guide id="6" orient="horz" pos="3884">
+          <p15:clr>
+            <a:srgbClr val="FBAE40"/>
+          </p15:clr>
+        </p15:guide>
+        <p15:guide id="7" orient="horz" pos="1049">
+          <p15:clr>
+            <a:srgbClr val="FBAE40"/>
+          </p15:clr>
+        </p15:guide>
+      </p15:sldGuideLst>
+    </p:ext>
+  </p:extLst>
 </p:sldLayout>
 </file>
 
@@ -5235,6 +6144,7 @@
     <p:sldLayoutId id="2147483660" r:id="rId12"/>
     <p:sldLayoutId id="2147483661" r:id="rId13"/>
     <p:sldLayoutId id="2147483662" r:id="rId14"/>
+    <p:sldLayoutId id="2147483663" r:id="rId15"/>
   </p:sldLayoutIdLst>
   <p:txStyles>
     <p:titleStyle>
@@ -5683,6 +6593,228 @@
       </p:grpSpPr>
       <p:sp>
         <p:nvSpPr>
+          <p:cNvPr id="2" name="Title 1">
+            <a:extLst>
+              <a:ext uri="{FF2B5EF4-FFF2-40B4-BE49-F238E27FC236}">
+                <a16:creationId xmlns:a16="http://schemas.microsoft.com/office/drawing/2014/main" id="{74E13AE3-4507-3457-5632-FBE24939437A}"/>
+              </a:ext>
+            </a:extLst>
+          </p:cNvPr>
+          <p:cNvSpPr>
+            <a:spLocks noGrp="1"/>
+          </p:cNvSpPr>
+          <p:nvPr>
+            <p:ph type="title"/>
+          </p:nvPr>
+        </p:nvSpPr>
+        <p:spPr/>
+        <p:txBody>
+          <a:bodyPr/>
+          <a:lstStyle/>
+          <a:p>
+            <a:r>
+              <a:rPr lang="nl-NL" sz="2200" b="1" err="1">
+                <a:latin typeface="Arial"/>
+                <a:cs typeface="Arial"/>
+              </a:rPr>
+              <a:t>Reflections</a:t>
+            </a:r>
+            <a:r>
+              <a:rPr lang="nl-NL" sz="2200" b="1">
+                <a:latin typeface="Arial"/>
+                <a:cs typeface="Arial"/>
+              </a:rPr>
+              <a:t>: </a:t>
+            </a:r>
+            <a:r>
+              <a:rPr lang="nl-NL" sz="2200" b="1" err="1">
+                <a:latin typeface="Arial"/>
+                <a:cs typeface="Arial"/>
+              </a:rPr>
+              <a:t>Where</a:t>
+            </a:r>
+            <a:r>
+              <a:rPr lang="nl-NL" sz="2200" b="1">
+                <a:latin typeface="Arial"/>
+                <a:cs typeface="Arial"/>
+              </a:rPr>
+              <a:t> we are </a:t>
+            </a:r>
+            <a:r>
+              <a:rPr lang="nl-NL" sz="2200" b="1" err="1">
+                <a:latin typeface="Arial"/>
+                <a:cs typeface="Arial"/>
+              </a:rPr>
+              <a:t>now</a:t>
+            </a:r>
+            <a:endParaRPr lang="en-NL"/>
+          </a:p>
+        </p:txBody>
+      </p:sp>
+      <p:sp>
+        <p:nvSpPr>
+          <p:cNvPr id="3" name="Slide Number Placeholder 2">
+            <a:extLst>
+              <a:ext uri="{FF2B5EF4-FFF2-40B4-BE49-F238E27FC236}">
+                <a16:creationId xmlns:a16="http://schemas.microsoft.com/office/drawing/2014/main" id="{13524CB6-1271-8F78-01D5-9864A0F33A40}"/>
+              </a:ext>
+            </a:extLst>
+          </p:cNvPr>
+          <p:cNvSpPr>
+            <a:spLocks noGrp="1"/>
+          </p:cNvSpPr>
+          <p:nvPr>
+            <p:ph type="sldNum" sz="quarter" idx="10"/>
+          </p:nvPr>
+        </p:nvSpPr>
+        <p:spPr/>
+        <p:txBody>
+          <a:bodyPr/>
+          <a:lstStyle/>
+          <a:p>
+            <a:fld id="{8F91DE98-5B9A-4C57-AF25-752D64D42599}" type="slidenum">
+              <a:rPr lang="en-GB" smtClean="0"/>
+              <a:pPr/>
+              <a:t>10</a:t>
+            </a:fld>
+            <a:endParaRPr lang="en-GB"/>
+          </a:p>
+        </p:txBody>
+      </p:sp>
+      <p:sp>
+        <p:nvSpPr>
+          <p:cNvPr id="5" name="Text Placeholder 4">
+            <a:extLst>
+              <a:ext uri="{FF2B5EF4-FFF2-40B4-BE49-F238E27FC236}">
+                <a16:creationId xmlns:a16="http://schemas.microsoft.com/office/drawing/2014/main" id="{01F4F05A-C0FF-81F3-E71A-938236E2E4D9}"/>
+              </a:ext>
+            </a:extLst>
+          </p:cNvPr>
+          <p:cNvSpPr>
+            <a:spLocks noGrp="1"/>
+          </p:cNvSpPr>
+          <p:nvPr>
+            <p:ph type="body" sz="quarter" idx="12"/>
+          </p:nvPr>
+        </p:nvSpPr>
+        <p:spPr/>
+        <p:txBody>
+          <a:bodyPr>
+            <a:normAutofit fontScale="92500" lnSpcReduction="20000"/>
+          </a:bodyPr>
+          <a:lstStyle/>
+          <a:p>
+            <a:pPr marL="0" indent="0">
+              <a:buNone/>
+            </a:pPr>
+            <a:r>
+              <a:rPr lang="en-NL" dirty="0"/>
+              <a:t>A lot has been happening over the years to improve our UX, user insights and horizontal focus</a:t>
+            </a:r>
+          </a:p>
+          <a:p>
+            <a:pPr marL="0" indent="0">
+              <a:buNone/>
+            </a:pPr>
+            <a:endParaRPr lang="en-NL" dirty="0"/>
+          </a:p>
+          <a:p>
+            <a:r>
+              <a:rPr lang="en-NL" dirty="0"/>
+              <a:t>Creation of focus teams</a:t>
+            </a:r>
+          </a:p>
+          <a:p>
+            <a:r>
+              <a:rPr lang="en-NL" dirty="0"/>
+              <a:t>(Live) NPS score</a:t>
+            </a:r>
+          </a:p>
+          <a:p>
+            <a:r>
+              <a:rPr lang="en-NL" dirty="0"/>
+              <a:t>Gathering as much user research and insights as we can</a:t>
+            </a:r>
+          </a:p>
+          <a:p>
+            <a:r>
+              <a:rPr lang="en-NL" dirty="0"/>
+              <a:t>Started with vision work for SE and PE soon to be followed</a:t>
+            </a:r>
+          </a:p>
+          <a:p>
+            <a:r>
+              <a:rPr lang="en-NL" dirty="0"/>
+              <a:t>Way of working with double diamond model and opportunity and solution cards</a:t>
+            </a:r>
+          </a:p>
+          <a:p>
+            <a:r>
+              <a:rPr lang="en-NL" dirty="0"/>
+              <a:t>Creation of a design system (Pixel)</a:t>
+            </a:r>
+          </a:p>
+          <a:p>
+            <a:r>
+              <a:rPr lang="en-NL" dirty="0"/>
+              <a:t>UX Director role</a:t>
+            </a:r>
+          </a:p>
+          <a:p>
+            <a:r>
+              <a:rPr lang="en-NL" dirty="0"/>
+              <a:t>….</a:t>
+            </a:r>
+          </a:p>
+          <a:p>
+            <a:pPr marL="0" indent="0">
+              <a:buNone/>
+            </a:pPr>
+            <a:endParaRPr lang="en-NL" dirty="0"/>
+          </a:p>
+          <a:p>
+            <a:pPr marL="0" indent="0">
+              <a:buNone/>
+            </a:pPr>
+            <a:r>
+              <a:rPr lang="en-NL" dirty="0"/>
+              <a:t>but in order to reach our strategic goals, more maturity is needed</a:t>
+            </a:r>
+          </a:p>
+        </p:txBody>
+      </p:sp>
+    </p:spTree>
+    <p:extLst>
+      <p:ext uri="{BB962C8B-B14F-4D97-AF65-F5344CB8AC3E}">
+        <p14:creationId xmlns:p14="http://schemas.microsoft.com/office/powerpoint/2010/main" val="1796492452"/>
+      </p:ext>
+    </p:extLst>
+  </p:cSld>
+  <p:clrMapOvr>
+    <a:masterClrMapping/>
+  </p:clrMapOvr>
+</p:sld>
+</file>
+
+<file path=ppt/slides/slide11.xml><?xml version="1.0" encoding="utf-8"?>
+<p:sld xmlns:a="http://schemas.openxmlformats.org/drawingml/2006/main" xmlns:r="http://schemas.openxmlformats.org/officeDocument/2006/relationships" xmlns:p="http://schemas.openxmlformats.org/presentationml/2006/main">
+  <p:cSld>
+    <p:spTree>
+      <p:nvGrpSpPr>
+        <p:cNvPr id="1" name=""/>
+        <p:cNvGrpSpPr/>
+        <p:nvPr/>
+      </p:nvGrpSpPr>
+      <p:grpSpPr>
+        <a:xfrm>
+          <a:off x="0" y="0"/>
+          <a:ext cx="0" cy="0"/>
+          <a:chOff x="0" y="0"/>
+          <a:chExt cx="0" cy="0"/>
+        </a:xfrm>
+      </p:grpSpPr>
+      <p:sp>
+        <p:nvSpPr>
           <p:cNvPr id="2" name="Titel 1">
             <a:extLst>
               <a:ext uri="{FF2B5EF4-FFF2-40B4-BE49-F238E27FC236}">
@@ -5983,12 +7115,582 @@
           <a:chExt cx="0" cy="0"/>
         </a:xfrm>
       </p:grpSpPr>
-      <p:sp>
-        <p:nvSpPr>
-          <p:cNvPr id="2" name="Titel 1">
-            <a:extLst>
-              <a:ext uri="{FF2B5EF4-FFF2-40B4-BE49-F238E27FC236}">
-                <a16:creationId xmlns:a16="http://schemas.microsoft.com/office/drawing/2014/main" id="{0E5B30C6-B4FD-8DA5-3E87-34CF5E8BBA9B}"/>
+      <p:pic>
+        <p:nvPicPr>
+          <p:cNvPr id="7" name="Afbeelding 16" descr="Afbeelding met tekst, Lettertype, driehoek&#10;&#10;Automatisch gegenereerde beschrijving">
+            <a:extLst>
+              <a:ext uri="{FF2B5EF4-FFF2-40B4-BE49-F238E27FC236}">
+                <a16:creationId xmlns:a16="http://schemas.microsoft.com/office/drawing/2014/main" id="{02036201-0E61-83A8-F10D-81F629BE50E0}"/>
+              </a:ext>
+            </a:extLst>
+          </p:cNvPr>
+          <p:cNvPicPr>
+            <a:picLocks noChangeAspect="1"/>
+          </p:cNvPicPr>
+          <p:nvPr/>
+        </p:nvPicPr>
+        <p:blipFill>
+          <a:blip r:embed="rId2"/>
+          <a:stretch>
+            <a:fillRect/>
+          </a:stretch>
+        </p:blipFill>
+        <p:spPr>
+          <a:xfrm>
+            <a:off x="485563" y="1197150"/>
+            <a:ext cx="1418231" cy="1041611"/>
+          </a:xfrm>
+          <a:prstGeom prst="rect">
+            <a:avLst/>
+          </a:prstGeom>
+        </p:spPr>
+      </p:pic>
+      <p:sp>
+        <p:nvSpPr>
+          <p:cNvPr id="20" name="Rectangle 19">
+            <a:extLst>
+              <a:ext uri="{FF2B5EF4-FFF2-40B4-BE49-F238E27FC236}">
+                <a16:creationId xmlns:a16="http://schemas.microsoft.com/office/drawing/2014/main" id="{FD467ED6-D389-0DDF-9748-878D4AEEADF4}"/>
+              </a:ext>
+            </a:extLst>
+          </p:cNvPr>
+          <p:cNvSpPr/>
+          <p:nvPr/>
+        </p:nvSpPr>
+        <p:spPr bwMode="auto">
+          <a:xfrm>
+            <a:off x="6133689" y="3037653"/>
+            <a:ext cx="2552485" cy="3549283"/>
+          </a:xfrm>
+          <a:prstGeom prst="rect">
+            <a:avLst/>
+          </a:prstGeom>
+          <a:solidFill>
+            <a:schemeClr val="bg1">
+              <a:lumMod val="95000"/>
+            </a:schemeClr>
+          </a:solidFill>
+          <a:ln w="6350" cap="flat" cmpd="sng" algn="ctr">
+            <a:noFill/>
+            <a:prstDash val="solid"/>
+            <a:round/>
+            <a:headEnd type="none" w="med" len="med"/>
+            <a:tailEnd type="none" w="med" len="med"/>
+          </a:ln>
+          <a:effectLst/>
+        </p:spPr>
+        <p:txBody>
+          <a:bodyPr vert="horz" wrap="square" lIns="36000" tIns="36000" rIns="36000" bIns="36000" numCol="1" rtlCol="0" anchor="t" anchorCtr="0" compatLnSpc="1">
+            <a:prstTxWarp prst="textNoShape">
+              <a:avLst/>
+            </a:prstTxWarp>
+            <a:noAutofit/>
+          </a:bodyPr>
+          <a:lstStyle/>
+          <a:p>
+            <a:pPr marR="0" algn="l" defTabSz="728663" rtl="0" eaLnBrk="1" fontAlgn="base" latinLnBrk="0" hangingPunct="1">
+              <a:spcBef>
+                <a:spcPct val="0"/>
+              </a:spcBef>
+              <a:spcAft>
+                <a:spcPct val="0"/>
+              </a:spcAft>
+              <a:buSzTx/>
+              <a:tabLst>
+                <a:tab pos="4286250" algn="l"/>
+              </a:tabLst>
+            </a:pPr>
+            <a:endParaRPr kumimoji="0" lang="en-US" sz="1100" b="0" i="0" u="none" strike="noStrike" cap="none" normalizeH="0" baseline="0">
+              <a:ln>
+                <a:noFill/>
+              </a:ln>
+              <a:solidFill>
+                <a:srgbClr val="000000"/>
+              </a:solidFill>
+              <a:effectLst/>
+            </a:endParaRPr>
+          </a:p>
+        </p:txBody>
+      </p:sp>
+      <p:sp>
+        <p:nvSpPr>
+          <p:cNvPr id="21" name="Rectangle 20">
+            <a:extLst>
+              <a:ext uri="{FF2B5EF4-FFF2-40B4-BE49-F238E27FC236}">
+                <a16:creationId xmlns:a16="http://schemas.microsoft.com/office/drawing/2014/main" id="{E907A416-A465-FBDE-8F93-61627E475F06}"/>
+              </a:ext>
+            </a:extLst>
+          </p:cNvPr>
+          <p:cNvSpPr/>
+          <p:nvPr/>
+        </p:nvSpPr>
+        <p:spPr bwMode="auto">
+          <a:xfrm>
+            <a:off x="6133689" y="2990369"/>
+            <a:ext cx="2552485" cy="205355"/>
+          </a:xfrm>
+          <a:prstGeom prst="rect">
+            <a:avLst/>
+          </a:prstGeom>
+          <a:solidFill>
+            <a:schemeClr val="accent3"/>
+          </a:solidFill>
+          <a:ln w="6350" cap="flat" cmpd="sng" algn="ctr">
+            <a:noFill/>
+            <a:prstDash val="solid"/>
+            <a:round/>
+            <a:headEnd type="none" w="med" len="med"/>
+            <a:tailEnd type="none" w="med" len="med"/>
+          </a:ln>
+          <a:effectLst/>
+        </p:spPr>
+        <p:txBody>
+          <a:bodyPr vert="horz" wrap="square" lIns="36000" tIns="36000" rIns="36000" bIns="36000" numCol="1" rtlCol="0" anchor="ctr" anchorCtr="0" compatLnSpc="1">
+            <a:prstTxWarp prst="textNoShape">
+              <a:avLst/>
+            </a:prstTxWarp>
+            <a:noAutofit/>
+          </a:bodyPr>
+          <a:lstStyle/>
+          <a:p>
+            <a:pPr marR="0" algn="ctr" defTabSz="728663" rtl="0" eaLnBrk="1" fontAlgn="base" latinLnBrk="0" hangingPunct="1">
+              <a:spcBef>
+                <a:spcPct val="0"/>
+              </a:spcBef>
+              <a:spcAft>
+                <a:spcPct val="0"/>
+              </a:spcAft>
+              <a:buSzTx/>
+              <a:tabLst>
+                <a:tab pos="4286250" algn="l"/>
+              </a:tabLst>
+            </a:pPr>
+            <a:r>
+              <a:rPr kumimoji="0" lang="en-US" sz="1100" b="1" i="0" u="none" strike="noStrike" cap="none" normalizeH="0" baseline="0">
+                <a:ln>
+                  <a:noFill/>
+                </a:ln>
+                <a:solidFill>
+                  <a:schemeClr val="bg1"/>
+                </a:solidFill>
+                <a:effectLst/>
+              </a:rPr>
+              <a:t>New operating model</a:t>
+            </a:r>
+          </a:p>
+        </p:txBody>
+      </p:sp>
+      <p:sp>
+        <p:nvSpPr>
+          <p:cNvPr id="22" name="Rectangle 21">
+            <a:extLst>
+              <a:ext uri="{FF2B5EF4-FFF2-40B4-BE49-F238E27FC236}">
+                <a16:creationId xmlns:a16="http://schemas.microsoft.com/office/drawing/2014/main" id="{4F3B023C-AD25-026E-39C0-8787614F9BA5}"/>
+              </a:ext>
+            </a:extLst>
+          </p:cNvPr>
+          <p:cNvSpPr/>
+          <p:nvPr/>
+        </p:nvSpPr>
+        <p:spPr bwMode="auto">
+          <a:xfrm>
+            <a:off x="8806037" y="3040753"/>
+            <a:ext cx="2552485" cy="3545302"/>
+          </a:xfrm>
+          <a:prstGeom prst="rect">
+            <a:avLst/>
+          </a:prstGeom>
+          <a:solidFill>
+            <a:schemeClr val="bg1">
+              <a:lumMod val="95000"/>
+            </a:schemeClr>
+          </a:solidFill>
+          <a:ln w="6350" cap="flat" cmpd="sng" algn="ctr">
+            <a:noFill/>
+            <a:prstDash val="solid"/>
+            <a:round/>
+            <a:headEnd type="none" w="med" len="med"/>
+            <a:tailEnd type="none" w="med" len="med"/>
+          </a:ln>
+          <a:effectLst/>
+        </p:spPr>
+        <p:txBody>
+          <a:bodyPr vert="horz" wrap="square" lIns="36000" tIns="36000" rIns="36000" bIns="36000" numCol="1" rtlCol="0" anchor="t" anchorCtr="0" compatLnSpc="1">
+            <a:prstTxWarp prst="textNoShape">
+              <a:avLst/>
+            </a:prstTxWarp>
+            <a:noAutofit/>
+          </a:bodyPr>
+          <a:lstStyle/>
+          <a:p>
+            <a:pPr marR="0" algn="l" defTabSz="728663" rtl="0" eaLnBrk="1" fontAlgn="base" latinLnBrk="0" hangingPunct="1">
+              <a:spcBef>
+                <a:spcPct val="0"/>
+              </a:spcBef>
+              <a:spcAft>
+                <a:spcPct val="0"/>
+              </a:spcAft>
+              <a:buSzTx/>
+              <a:tabLst>
+                <a:tab pos="4286250" algn="l"/>
+              </a:tabLst>
+            </a:pPr>
+            <a:endParaRPr kumimoji="0" lang="en-US" sz="1100" b="0" i="0" u="none" strike="noStrike" cap="none" normalizeH="0" baseline="0">
+              <a:ln>
+                <a:noFill/>
+              </a:ln>
+              <a:solidFill>
+                <a:srgbClr val="000000"/>
+              </a:solidFill>
+              <a:effectLst/>
+            </a:endParaRPr>
+          </a:p>
+        </p:txBody>
+      </p:sp>
+      <p:sp>
+        <p:nvSpPr>
+          <p:cNvPr id="23" name="Rectangle 22">
+            <a:extLst>
+              <a:ext uri="{FF2B5EF4-FFF2-40B4-BE49-F238E27FC236}">
+                <a16:creationId xmlns:a16="http://schemas.microsoft.com/office/drawing/2014/main" id="{A9F6294A-4CE7-2F59-EB61-3BE7510CE90C}"/>
+              </a:ext>
+            </a:extLst>
+          </p:cNvPr>
+          <p:cNvSpPr/>
+          <p:nvPr/>
+        </p:nvSpPr>
+        <p:spPr bwMode="auto">
+          <a:xfrm>
+            <a:off x="8806037" y="2993468"/>
+            <a:ext cx="2552485" cy="205355"/>
+          </a:xfrm>
+          <a:prstGeom prst="rect">
+            <a:avLst/>
+          </a:prstGeom>
+          <a:solidFill>
+            <a:schemeClr val="accent1"/>
+          </a:solidFill>
+          <a:ln w="6350" cap="flat" cmpd="sng" algn="ctr">
+            <a:noFill/>
+            <a:prstDash val="solid"/>
+            <a:round/>
+            <a:headEnd type="none" w="med" len="med"/>
+            <a:tailEnd type="none" w="med" len="med"/>
+          </a:ln>
+          <a:effectLst/>
+        </p:spPr>
+        <p:txBody>
+          <a:bodyPr vert="horz" wrap="square" lIns="36000" tIns="36000" rIns="36000" bIns="36000" numCol="1" rtlCol="0" anchor="ctr" anchorCtr="0" compatLnSpc="1">
+            <a:prstTxWarp prst="textNoShape">
+              <a:avLst/>
+            </a:prstTxWarp>
+            <a:noAutofit/>
+          </a:bodyPr>
+          <a:lstStyle/>
+          <a:p>
+            <a:pPr marR="0" algn="ctr" defTabSz="728663" rtl="0" eaLnBrk="1" fontAlgn="base" latinLnBrk="0" hangingPunct="1">
+              <a:spcBef>
+                <a:spcPct val="0"/>
+              </a:spcBef>
+              <a:spcAft>
+                <a:spcPct val="0"/>
+              </a:spcAft>
+              <a:buSzTx/>
+              <a:tabLst>
+                <a:tab pos="4286250" algn="l"/>
+              </a:tabLst>
+            </a:pPr>
+            <a:r>
+              <a:rPr kumimoji="0" lang="en-US" sz="1100" b="1" i="0" u="none" strike="noStrike" cap="none" normalizeH="0" baseline="0">
+                <a:ln>
+                  <a:noFill/>
+                </a:ln>
+                <a:solidFill>
+                  <a:schemeClr val="bg1"/>
+                </a:solidFill>
+                <a:effectLst/>
+              </a:rPr>
+              <a:t>Impact for our users</a:t>
+            </a:r>
+          </a:p>
+        </p:txBody>
+      </p:sp>
+      <p:sp>
+        <p:nvSpPr>
+          <p:cNvPr id="18" name="Rectangle 17">
+            <a:extLst>
+              <a:ext uri="{FF2B5EF4-FFF2-40B4-BE49-F238E27FC236}">
+                <a16:creationId xmlns:a16="http://schemas.microsoft.com/office/drawing/2014/main" id="{88907639-0C80-B013-80B8-14609BC291CD}"/>
+              </a:ext>
+            </a:extLst>
+          </p:cNvPr>
+          <p:cNvSpPr/>
+          <p:nvPr/>
+        </p:nvSpPr>
+        <p:spPr bwMode="auto">
+          <a:xfrm>
+            <a:off x="3396836" y="3036302"/>
+            <a:ext cx="2552485" cy="3549283"/>
+          </a:xfrm>
+          <a:prstGeom prst="rect">
+            <a:avLst/>
+          </a:prstGeom>
+          <a:solidFill>
+            <a:schemeClr val="bg1">
+              <a:lumMod val="95000"/>
+            </a:schemeClr>
+          </a:solidFill>
+          <a:ln w="6350" cap="flat" cmpd="sng" algn="ctr">
+            <a:noFill/>
+            <a:prstDash val="solid"/>
+            <a:round/>
+            <a:headEnd type="none" w="med" len="med"/>
+            <a:tailEnd type="none" w="med" len="med"/>
+          </a:ln>
+          <a:effectLst/>
+        </p:spPr>
+        <p:txBody>
+          <a:bodyPr vert="horz" wrap="square" lIns="36000" tIns="36000" rIns="36000" bIns="36000" numCol="1" rtlCol="0" anchor="t" anchorCtr="0" compatLnSpc="1">
+            <a:prstTxWarp prst="textNoShape">
+              <a:avLst/>
+            </a:prstTxWarp>
+            <a:noAutofit/>
+          </a:bodyPr>
+          <a:lstStyle/>
+          <a:p>
+            <a:pPr marR="0" algn="l" defTabSz="728663" rtl="0" eaLnBrk="1" fontAlgn="base" latinLnBrk="0" hangingPunct="1">
+              <a:spcBef>
+                <a:spcPct val="0"/>
+              </a:spcBef>
+              <a:spcAft>
+                <a:spcPct val="0"/>
+              </a:spcAft>
+              <a:buSzTx/>
+              <a:tabLst>
+                <a:tab pos="4286250" algn="l"/>
+              </a:tabLst>
+            </a:pPr>
+            <a:endParaRPr kumimoji="0" lang="en-US" sz="1100" b="0" i="0" u="none" strike="noStrike" cap="none" normalizeH="0" baseline="0">
+              <a:ln>
+                <a:noFill/>
+              </a:ln>
+              <a:solidFill>
+                <a:srgbClr val="000000"/>
+              </a:solidFill>
+              <a:effectLst/>
+            </a:endParaRPr>
+          </a:p>
+        </p:txBody>
+      </p:sp>
+      <p:sp>
+        <p:nvSpPr>
+          <p:cNvPr id="19" name="Rectangle 18">
+            <a:extLst>
+              <a:ext uri="{FF2B5EF4-FFF2-40B4-BE49-F238E27FC236}">
+                <a16:creationId xmlns:a16="http://schemas.microsoft.com/office/drawing/2014/main" id="{BC468F91-6650-41E6-AD17-B242314444B6}"/>
+              </a:ext>
+            </a:extLst>
+          </p:cNvPr>
+          <p:cNvSpPr/>
+          <p:nvPr/>
+        </p:nvSpPr>
+        <p:spPr bwMode="auto">
+          <a:xfrm>
+            <a:off x="3396836" y="2989018"/>
+            <a:ext cx="2552485" cy="205355"/>
+          </a:xfrm>
+          <a:prstGeom prst="rect">
+            <a:avLst/>
+          </a:prstGeom>
+          <a:solidFill>
+            <a:schemeClr val="accent2"/>
+          </a:solidFill>
+          <a:ln w="6350" cap="flat" cmpd="sng" algn="ctr">
+            <a:noFill/>
+            <a:prstDash val="solid"/>
+            <a:round/>
+            <a:headEnd type="none" w="med" len="med"/>
+            <a:tailEnd type="none" w="med" len="med"/>
+          </a:ln>
+          <a:effectLst/>
+        </p:spPr>
+        <p:txBody>
+          <a:bodyPr vert="horz" wrap="square" lIns="36000" tIns="36000" rIns="36000" bIns="36000" numCol="1" rtlCol="0" anchor="ctr" anchorCtr="0" compatLnSpc="1">
+            <a:prstTxWarp prst="textNoShape">
+              <a:avLst/>
+            </a:prstTxWarp>
+            <a:noAutofit/>
+          </a:bodyPr>
+          <a:lstStyle/>
+          <a:p>
+            <a:pPr marR="0" algn="ctr" defTabSz="728663" rtl="0" eaLnBrk="1" fontAlgn="base" latinLnBrk="0" hangingPunct="1">
+              <a:spcBef>
+                <a:spcPct val="0"/>
+              </a:spcBef>
+              <a:spcAft>
+                <a:spcPct val="0"/>
+              </a:spcAft>
+              <a:buSzTx/>
+              <a:tabLst>
+                <a:tab pos="4286250" algn="l"/>
+              </a:tabLst>
+            </a:pPr>
+            <a:r>
+              <a:rPr kumimoji="0" lang="en-US" sz="1100" b="1" i="0" u="none" strike="noStrike" cap="none" normalizeH="0" baseline="0">
+                <a:ln>
+                  <a:noFill/>
+                </a:ln>
+                <a:solidFill>
+                  <a:schemeClr val="bg1"/>
+                </a:solidFill>
+                <a:effectLst/>
+              </a:rPr>
+              <a:t>Solution</a:t>
+            </a:r>
+          </a:p>
+        </p:txBody>
+      </p:sp>
+      <p:sp>
+        <p:nvSpPr>
+          <p:cNvPr id="5" name="Rectangle 4">
+            <a:extLst>
+              <a:ext uri="{FF2B5EF4-FFF2-40B4-BE49-F238E27FC236}">
+                <a16:creationId xmlns:a16="http://schemas.microsoft.com/office/drawing/2014/main" id="{8F2E5EED-0590-A874-B677-16876799D835}"/>
+              </a:ext>
+            </a:extLst>
+          </p:cNvPr>
+          <p:cNvSpPr/>
+          <p:nvPr/>
+        </p:nvSpPr>
+        <p:spPr bwMode="auto">
+          <a:xfrm>
+            <a:off x="653636" y="3036303"/>
+            <a:ext cx="2552485" cy="3549282"/>
+          </a:xfrm>
+          <a:prstGeom prst="rect">
+            <a:avLst/>
+          </a:prstGeom>
+          <a:solidFill>
+            <a:schemeClr val="bg1">
+              <a:lumMod val="95000"/>
+            </a:schemeClr>
+          </a:solidFill>
+          <a:ln w="6350" cap="flat" cmpd="sng" algn="ctr">
+            <a:noFill/>
+            <a:prstDash val="solid"/>
+            <a:round/>
+            <a:headEnd type="none" w="med" len="med"/>
+            <a:tailEnd type="none" w="med" len="med"/>
+          </a:ln>
+          <a:effectLst/>
+        </p:spPr>
+        <p:txBody>
+          <a:bodyPr vert="horz" wrap="square" lIns="36000" tIns="36000" rIns="36000" bIns="36000" numCol="1" rtlCol="0" anchor="t" anchorCtr="0" compatLnSpc="1">
+            <a:prstTxWarp prst="textNoShape">
+              <a:avLst/>
+            </a:prstTxWarp>
+            <a:noAutofit/>
+          </a:bodyPr>
+          <a:lstStyle/>
+          <a:p>
+            <a:pPr marR="0" algn="l" defTabSz="728663" rtl="0" eaLnBrk="1" fontAlgn="base" latinLnBrk="0" hangingPunct="1">
+              <a:spcBef>
+                <a:spcPct val="0"/>
+              </a:spcBef>
+              <a:spcAft>
+                <a:spcPct val="0"/>
+              </a:spcAft>
+              <a:buSzTx/>
+              <a:tabLst>
+                <a:tab pos="4286250" algn="l"/>
+              </a:tabLst>
+            </a:pPr>
+            <a:endParaRPr kumimoji="0" lang="en-US" sz="1100" b="0" i="0" u="none" strike="noStrike" cap="none" normalizeH="0" baseline="0">
+              <a:ln>
+                <a:noFill/>
+              </a:ln>
+              <a:solidFill>
+                <a:srgbClr val="000000"/>
+              </a:solidFill>
+              <a:effectLst/>
+            </a:endParaRPr>
+          </a:p>
+        </p:txBody>
+      </p:sp>
+      <p:sp>
+        <p:nvSpPr>
+          <p:cNvPr id="6" name="Rectangle 5">
+            <a:extLst>
+              <a:ext uri="{FF2B5EF4-FFF2-40B4-BE49-F238E27FC236}">
+                <a16:creationId xmlns:a16="http://schemas.microsoft.com/office/drawing/2014/main" id="{9EE4E930-D5ED-0EB4-2080-7C51D3ADF892}"/>
+              </a:ext>
+            </a:extLst>
+          </p:cNvPr>
+          <p:cNvSpPr/>
+          <p:nvPr/>
+        </p:nvSpPr>
+        <p:spPr bwMode="auto">
+          <a:xfrm>
+            <a:off x="653636" y="2989018"/>
+            <a:ext cx="2552485" cy="205355"/>
+          </a:xfrm>
+          <a:prstGeom prst="rect">
+            <a:avLst/>
+          </a:prstGeom>
+          <a:solidFill>
+            <a:schemeClr val="accent4"/>
+          </a:solidFill>
+          <a:ln w="6350" cap="flat" cmpd="sng" algn="ctr">
+            <a:noFill/>
+            <a:prstDash val="solid"/>
+            <a:round/>
+            <a:headEnd type="none" w="med" len="med"/>
+            <a:tailEnd type="none" w="med" len="med"/>
+          </a:ln>
+          <a:effectLst/>
+        </p:spPr>
+        <p:txBody>
+          <a:bodyPr vert="horz" wrap="square" lIns="36000" tIns="36000" rIns="36000" bIns="36000" numCol="1" rtlCol="0" anchor="ctr" anchorCtr="0" compatLnSpc="1">
+            <a:prstTxWarp prst="textNoShape">
+              <a:avLst/>
+            </a:prstTxWarp>
+            <a:noAutofit/>
+          </a:bodyPr>
+          <a:lstStyle/>
+          <a:p>
+            <a:pPr marR="0" algn="ctr" defTabSz="728663" rtl="0" eaLnBrk="1" fontAlgn="base" latinLnBrk="0" hangingPunct="1">
+              <a:spcBef>
+                <a:spcPct val="0"/>
+              </a:spcBef>
+              <a:spcAft>
+                <a:spcPct val="0"/>
+              </a:spcAft>
+              <a:buSzTx/>
+              <a:tabLst>
+                <a:tab pos="4286250" algn="l"/>
+              </a:tabLst>
+            </a:pPr>
+            <a:r>
+              <a:rPr kumimoji="0" lang="en-US" sz="1100" b="1" i="0" u="none" strike="noStrike" cap="none" normalizeH="0" baseline="0">
+                <a:ln>
+                  <a:noFill/>
+                </a:ln>
+                <a:solidFill>
+                  <a:schemeClr val="bg1"/>
+                </a:solidFill>
+                <a:effectLst/>
+              </a:rPr>
+              <a:t>Challenge</a:t>
+            </a:r>
+          </a:p>
+        </p:txBody>
+      </p:sp>
+      <p:sp>
+        <p:nvSpPr>
+          <p:cNvPr id="4" name="Title 3">
+            <a:extLst>
+              <a:ext uri="{FF2B5EF4-FFF2-40B4-BE49-F238E27FC236}">
+                <a16:creationId xmlns:a16="http://schemas.microsoft.com/office/drawing/2014/main" id="{B110492A-0409-FF0F-D705-F8DE9FC78819}"/>
               </a:ext>
             </a:extLst>
           </p:cNvPr>
@@ -6005,22 +7707,39 @@
           <a:lstStyle/>
           <a:p>
             <a:r>
-              <a:rPr lang="nl-NL">
+              <a:rPr lang="en-US" sz="2000" dirty="0">
                 <a:latin typeface="Arial"/>
                 <a:cs typeface="Arial"/>
               </a:rPr>
-              <a:t>Agenda</a:t>
-            </a:r>
-            <a:endParaRPr lang="nl-NL"/>
-          </a:p>
-        </p:txBody>
-      </p:sp>
-      <p:sp>
-        <p:nvSpPr>
-          <p:cNvPr id="5" name="Tijdelijke aanduiding voor tekst 4">
-            <a:extLst>
-              <a:ext uri="{FF2B5EF4-FFF2-40B4-BE49-F238E27FC236}">
-                <a16:creationId xmlns:a16="http://schemas.microsoft.com/office/drawing/2014/main" id="{355800B0-220E-4693-79C6-F1AE98692003}"/>
+              <a:t>Conclusion: Strengthened UX </a:t>
+            </a:r>
+            <a:r>
+              <a:rPr lang="en-US" sz="2000" dirty="0" err="1">
+                <a:latin typeface="Arial"/>
+                <a:cs typeface="Arial"/>
+              </a:rPr>
+              <a:t>design&amp;research</a:t>
+            </a:r>
+            <a:r>
+              <a:rPr lang="en-US" sz="2000" dirty="0">
+                <a:latin typeface="Arial"/>
+                <a:cs typeface="Arial"/>
+              </a:rPr>
+              <a:t> capability and leadership to take our platforms to the next level</a:t>
+            </a:r>
+            <a:endParaRPr lang="en-US" sz="2000" b="0" dirty="0">
+              <a:latin typeface="Arial"/>
+              <a:cs typeface="Arial"/>
+            </a:endParaRPr>
+          </a:p>
+        </p:txBody>
+      </p:sp>
+      <p:sp>
+        <p:nvSpPr>
+          <p:cNvPr id="8" name="Text Placeholder 7">
+            <a:extLst>
+              <a:ext uri="{FF2B5EF4-FFF2-40B4-BE49-F238E27FC236}">
+                <a16:creationId xmlns:a16="http://schemas.microsoft.com/office/drawing/2014/main" id="{0D596CA1-3BF1-D1AB-7B4E-D070F3305501}"/>
               </a:ext>
             </a:extLst>
           </p:cNvPr>
@@ -6028,13 +7747,13 @@
             <a:spLocks noGrp="1"/>
           </p:cNvSpPr>
           <p:nvPr>
-            <p:ph type="body" sz="quarter" idx="12"/>
+            <p:ph type="body" sz="quarter" idx="19"/>
           </p:nvPr>
         </p:nvSpPr>
         <p:spPr>
           <a:xfrm>
-            <a:off x="587375" y="1196975"/>
-            <a:ext cx="11315956" cy="4968875"/>
+            <a:off x="3502224" y="3283080"/>
+            <a:ext cx="2334454" cy="3303856"/>
           </a:xfrm>
         </p:spPr>
         <p:txBody>
@@ -6046,219 +7765,747 @@
             <a:pPr marL="0" indent="0">
               <a:buNone/>
             </a:pPr>
-            <a:endParaRPr lang="nl-NL" sz="2200" dirty="0">
-              <a:latin typeface="Arial"/>
-              <a:cs typeface="Arial"/>
-              <a:sym typeface="Wingdings" pitchFamily="2" charset="2"/>
-            </a:endParaRPr>
-          </a:p>
-          <a:p>
-            <a:r>
-              <a:rPr lang="nl-NL" sz="2200" b="1" dirty="0" err="1">
+            <a:r>
+              <a:rPr lang="en-NL" sz="1000">
                 <a:latin typeface="Arial"/>
                 <a:cs typeface="Arial"/>
-                <a:sym typeface="Wingdings" pitchFamily="2" charset="2"/>
-              </a:rPr>
-              <a:t>Why</a:t>
-            </a:r>
-            <a:r>
-              <a:rPr lang="nl-NL" sz="2200" b="1" dirty="0">
+              </a:rPr>
+              <a:t>By understanding our end user better and basing our designs on more facts not assumptions</a:t>
+            </a:r>
+          </a:p>
+          <a:p>
+            <a:pPr marL="184150" lvl="1" indent="-184150" defTabSz="728644">
+              <a:spcBef>
+                <a:spcPts val="600"/>
+              </a:spcBef>
+              <a:buClr>
+                <a:schemeClr val="tx2"/>
+              </a:buClr>
+              <a:buFont typeface="Arial" panose="020B0604020202020204" pitchFamily="34" charset="0"/>
+              <a:buChar char="■"/>
+            </a:pPr>
+            <a:r>
+              <a:rPr lang="en-NL" sz="1000" b="1">
+                <a:ea typeface="+mn-ea"/>
+              </a:rPr>
+              <a:t>User centered</a:t>
+            </a:r>
+            <a:r>
+              <a:rPr lang="en-NL" sz="1000">
+                <a:ea typeface="+mn-ea"/>
+              </a:rPr>
+              <a:t>: Be close to the end users much more to see actual behavior in context and work on continuous improvements</a:t>
+            </a:r>
+          </a:p>
+          <a:p>
+            <a:pPr marL="184150" lvl="1" indent="-184150" defTabSz="728644">
+              <a:spcBef>
+                <a:spcPts val="600"/>
+              </a:spcBef>
+              <a:buClr>
+                <a:schemeClr val="tx2"/>
+              </a:buClr>
+              <a:buFont typeface="Arial" panose="020B0604020202020204" pitchFamily="34" charset="0"/>
+              <a:buChar char="■"/>
+            </a:pPr>
+            <a:r>
+              <a:rPr lang="en-NL" sz="1000" b="1">
+                <a:ea typeface="+mn-ea"/>
+              </a:rPr>
+              <a:t>Data driven</a:t>
+            </a:r>
+            <a:r>
+              <a:rPr lang="en-NL" sz="1000">
+                <a:ea typeface="+mn-ea"/>
+              </a:rPr>
+              <a:t>: Having tagged our products better and dashboarding in place to see (live) behavior</a:t>
+            </a:r>
+          </a:p>
+          <a:p>
+            <a:pPr marL="184150" lvl="1" indent="-184150" defTabSz="728644">
+              <a:spcBef>
+                <a:spcPts val="600"/>
+              </a:spcBef>
+              <a:buClr>
+                <a:schemeClr val="tx2"/>
+              </a:buClr>
+              <a:buFont typeface="Arial" panose="020B0604020202020204" pitchFamily="34" charset="0"/>
+              <a:buChar char="■"/>
+            </a:pPr>
+            <a:r>
+              <a:rPr lang="en-NL" sz="1000" b="1">
+                <a:ea typeface="+mn-ea"/>
+              </a:rPr>
+              <a:t>Feedback loop</a:t>
+            </a:r>
+            <a:r>
+              <a:rPr lang="en-NL" sz="1000">
+                <a:ea typeface="+mn-ea"/>
+              </a:rPr>
+              <a:t>: Conduct surveys and make better use of and mature feedback tools to improve products; introduce UX score (i.e. success rate, add questions on statements related to vision (“saves me time, feeling of control”)</a:t>
+            </a:r>
+          </a:p>
+        </p:txBody>
+      </p:sp>
+      <p:sp>
+        <p:nvSpPr>
+          <p:cNvPr id="9" name="Text Placeholder 8">
+            <a:extLst>
+              <a:ext uri="{FF2B5EF4-FFF2-40B4-BE49-F238E27FC236}">
+                <a16:creationId xmlns:a16="http://schemas.microsoft.com/office/drawing/2014/main" id="{80158A4B-9185-0E0C-49DD-50E3E093FD37}"/>
+              </a:ext>
+            </a:extLst>
+          </p:cNvPr>
+          <p:cNvSpPr>
+            <a:spLocks noGrp="1"/>
+          </p:cNvSpPr>
+          <p:nvPr>
+            <p:ph type="body" sz="quarter" idx="23"/>
+          </p:nvPr>
+        </p:nvSpPr>
+        <p:spPr>
+          <a:xfrm>
+            <a:off x="718992" y="3283080"/>
+            <a:ext cx="2420452" cy="3303856"/>
+          </a:xfrm>
+        </p:spPr>
+        <p:txBody>
+          <a:bodyPr vert="horz" lIns="91440" tIns="45720" rIns="91440" bIns="45720" rtlCol="0" anchor="t">
+            <a:noAutofit/>
+          </a:bodyPr>
+          <a:lstStyle/>
+          <a:p>
+            <a:pPr marL="6350" indent="0">
+              <a:buNone/>
+            </a:pPr>
+            <a:r>
+              <a:rPr lang="en-NL" sz="1000">
                 <a:latin typeface="Arial"/>
                 <a:cs typeface="Arial"/>
-                <a:sym typeface="Wingdings" pitchFamily="2" charset="2"/>
-              </a:rPr>
-              <a:t> strong UX is </a:t>
-            </a:r>
-            <a:r>
-              <a:rPr lang="nl-NL" sz="2200" b="1" dirty="0" err="1">
+              </a:rPr>
+              <a:t>We need to become better in offering a great end-2-end user experience</a:t>
+            </a:r>
+          </a:p>
+          <a:p>
+            <a:pPr marL="184150" lvl="1" indent="-184150" defTabSz="728644">
+              <a:spcBef>
+                <a:spcPts val="600"/>
+              </a:spcBef>
+              <a:buClr>
+                <a:schemeClr val="tx2"/>
+              </a:buClr>
+              <a:buFont typeface="Arial" panose="020B0604020202020204" pitchFamily="34" charset="0"/>
+              <a:buChar char="■"/>
+            </a:pPr>
+            <a:r>
+              <a:rPr lang="en-US" sz="1000">
                 <a:latin typeface="Arial"/>
+                <a:ea typeface="+mn-ea"/>
                 <a:cs typeface="Arial"/>
-                <a:sym typeface="Wingdings" pitchFamily="2" charset="2"/>
-              </a:rPr>
-              <a:t>key</a:t>
-            </a:r>
-            <a:r>
-              <a:rPr lang="nl-NL" sz="2200" b="1" dirty="0">
+              </a:rPr>
+              <a:t>Ease of use and usability of digital</a:t>
+            </a:r>
+          </a:p>
+          <a:p>
+            <a:pPr marL="184150" lvl="1" indent="-184150" defTabSz="728644">
+              <a:spcBef>
+                <a:spcPts val="600"/>
+              </a:spcBef>
+              <a:buClr>
+                <a:schemeClr val="tx2"/>
+              </a:buClr>
+              <a:buFont typeface="Arial" panose="020B0604020202020204" pitchFamily="34" charset="0"/>
+              <a:buChar char="■"/>
+            </a:pPr>
+            <a:r>
+              <a:rPr lang="en-NL" sz="1000">
                 <a:latin typeface="Arial"/>
+                <a:ea typeface="+mn-ea"/>
                 <a:cs typeface="Arial"/>
-                <a:sym typeface="Wingdings" pitchFamily="2" charset="2"/>
-              </a:rPr>
-              <a:t> </a:t>
-            </a:r>
-            <a:r>
-              <a:rPr lang="nl-NL" sz="2200" b="1" dirty="0" err="1">
+              </a:rPr>
+              <a:t>Recognizability between folio and digital</a:t>
+            </a:r>
+            <a:endParaRPr lang="en-NL">
+              <a:ea typeface="+mn-ea"/>
+            </a:endParaRPr>
+          </a:p>
+          <a:p>
+            <a:pPr marL="184150" lvl="1" indent="-184150" defTabSz="728644">
+              <a:spcBef>
+                <a:spcPts val="600"/>
+              </a:spcBef>
+              <a:buClr>
+                <a:schemeClr val="tx2"/>
+              </a:buClr>
+              <a:buFont typeface="Arial" panose="020B0604020202020204" pitchFamily="34" charset="0"/>
+              <a:buChar char="■"/>
+            </a:pPr>
+            <a:r>
+              <a:rPr lang="en-NL" sz="1000">
                 <a:latin typeface="Arial"/>
+                <a:ea typeface="+mn-ea"/>
                 <a:cs typeface="Arial"/>
-                <a:sym typeface="Wingdings" pitchFamily="2" charset="2"/>
-              </a:rPr>
-              <a:t>to</a:t>
-            </a:r>
-            <a:r>
-              <a:rPr lang="nl-NL" sz="2200" b="1" dirty="0">
+              </a:rPr>
+              <a:t>Desirability and look and feel of digital</a:t>
+            </a:r>
+          </a:p>
+          <a:p>
+            <a:pPr marL="184150" lvl="1" indent="-184150" defTabSz="728644">
+              <a:spcBef>
+                <a:spcPts val="600"/>
+              </a:spcBef>
+              <a:buClr>
+                <a:schemeClr val="tx2"/>
+              </a:buClr>
+              <a:buFont typeface="Arial" panose="020B0604020202020204" pitchFamily="34" charset="0"/>
+              <a:buChar char="■"/>
+            </a:pPr>
+            <a:r>
+              <a:rPr lang="en-NL" sz="1000">
                 <a:latin typeface="Arial"/>
+                <a:ea typeface="+mn-ea"/>
                 <a:cs typeface="Arial"/>
-                <a:sym typeface="Wingdings" pitchFamily="2" charset="2"/>
-              </a:rPr>
-              <a:t> </a:t>
-            </a:r>
-            <a:r>
-              <a:rPr lang="nl-NL" sz="2200" b="1" dirty="0" err="1">
+              </a:rPr>
+              <a:t>Smooth transition between folio and digital touchpoints</a:t>
+            </a:r>
+          </a:p>
+          <a:p>
+            <a:pPr marL="184150" lvl="1" indent="-184150" defTabSz="728644">
+              <a:spcBef>
+                <a:spcPts val="600"/>
+              </a:spcBef>
+              <a:buClr>
+                <a:schemeClr val="tx2"/>
+              </a:buClr>
+              <a:buFont typeface="Arial" panose="020B0604020202020204" pitchFamily="34" charset="0"/>
+              <a:buChar char="■"/>
+            </a:pPr>
+            <a:r>
+              <a:rPr lang="en-NL" sz="1000">
                 <a:latin typeface="Arial"/>
+                <a:ea typeface="+mn-ea"/>
                 <a:cs typeface="Arial"/>
-                <a:sym typeface="Wingdings" pitchFamily="2" charset="2"/>
-              </a:rPr>
-              <a:t>materialize</a:t>
-            </a:r>
-            <a:r>
-              <a:rPr lang="nl-NL" sz="2200" b="1" dirty="0">
-                <a:latin typeface="Arial"/>
-                <a:cs typeface="Arial"/>
-                <a:sym typeface="Wingdings" pitchFamily="2" charset="2"/>
-              </a:rPr>
-              <a:t> </a:t>
-            </a:r>
-            <a:r>
-              <a:rPr lang="nl-NL" sz="2200" b="1" dirty="0" err="1">
-                <a:latin typeface="Arial"/>
-                <a:cs typeface="Arial"/>
-                <a:sym typeface="Wingdings" pitchFamily="2" charset="2"/>
-              </a:rPr>
-              <a:t>our</a:t>
-            </a:r>
-            <a:r>
-              <a:rPr lang="nl-NL" sz="2200" b="1" dirty="0">
-                <a:latin typeface="Arial"/>
-                <a:cs typeface="Arial"/>
-                <a:sym typeface="Wingdings" pitchFamily="2" charset="2"/>
-              </a:rPr>
-              <a:t> </a:t>
-            </a:r>
-            <a:r>
-              <a:rPr lang="nl-NL" sz="2200" b="1" dirty="0" err="1">
-                <a:latin typeface="Arial"/>
-                <a:cs typeface="Arial"/>
-                <a:sym typeface="Wingdings" pitchFamily="2" charset="2"/>
-              </a:rPr>
-              <a:t>Strategy</a:t>
-            </a:r>
-            <a:endParaRPr lang="nl-NL" sz="2200" b="1" dirty="0">
-              <a:latin typeface="Arial"/>
-              <a:cs typeface="Arial"/>
-              <a:sym typeface="Wingdings" pitchFamily="2" charset="2"/>
-            </a:endParaRPr>
-          </a:p>
-          <a:p>
-            <a:r>
-              <a:rPr lang="nl-NL" sz="2200" dirty="0" err="1">
-                <a:latin typeface="Arial"/>
-                <a:cs typeface="Arial"/>
-              </a:rPr>
-              <a:t>Reflections</a:t>
-            </a:r>
-            <a:r>
-              <a:rPr lang="nl-NL" sz="2200" dirty="0">
-                <a:latin typeface="Arial"/>
-                <a:cs typeface="Arial"/>
-              </a:rPr>
-              <a:t>: </a:t>
-            </a:r>
-            <a:r>
-              <a:rPr lang="nl-NL" sz="2200" dirty="0" err="1">
-                <a:latin typeface="Arial"/>
-                <a:cs typeface="Arial"/>
-              </a:rPr>
-              <a:t>Where</a:t>
-            </a:r>
-            <a:r>
-              <a:rPr lang="nl-NL" sz="2200" dirty="0">
-                <a:latin typeface="Arial"/>
-                <a:cs typeface="Arial"/>
-              </a:rPr>
-              <a:t> we are </a:t>
-            </a:r>
-            <a:r>
-              <a:rPr lang="nl-NL" sz="2200" dirty="0" err="1">
-                <a:latin typeface="Arial"/>
-                <a:cs typeface="Arial"/>
-              </a:rPr>
-              <a:t>now</a:t>
-            </a:r>
-            <a:endParaRPr lang="nl-NL" sz="2200" dirty="0"/>
-          </a:p>
-          <a:p>
-            <a:r>
-              <a:rPr lang="nl-NL" sz="2200" dirty="0" err="1">
-                <a:latin typeface="Arial"/>
-                <a:cs typeface="Arial"/>
-              </a:rPr>
-              <a:t>Recommendations</a:t>
-            </a:r>
-            <a:r>
-              <a:rPr lang="nl-NL" sz="2200" dirty="0">
-                <a:latin typeface="Arial"/>
-                <a:cs typeface="Arial"/>
-              </a:rPr>
-              <a:t>: </a:t>
-            </a:r>
-            <a:r>
-              <a:rPr lang="nl-NL" sz="2200" dirty="0" err="1">
-                <a:latin typeface="Arial"/>
-                <a:cs typeface="Arial"/>
-              </a:rPr>
-              <a:t>What</a:t>
-            </a:r>
-            <a:r>
-              <a:rPr lang="nl-NL" sz="2200" dirty="0">
-                <a:latin typeface="Arial"/>
-                <a:cs typeface="Arial"/>
-              </a:rPr>
-              <a:t> &amp; </a:t>
-            </a:r>
-            <a:r>
-              <a:rPr lang="nl-NL" sz="2200" dirty="0" err="1">
-                <a:latin typeface="Arial"/>
-                <a:cs typeface="Arial"/>
-              </a:rPr>
-              <a:t>how</a:t>
-            </a:r>
-            <a:r>
-              <a:rPr lang="nl-NL" sz="2200" dirty="0">
-                <a:latin typeface="Arial"/>
-                <a:cs typeface="Arial"/>
-              </a:rPr>
-              <a:t> </a:t>
-            </a:r>
-            <a:r>
-              <a:rPr lang="nl-NL" sz="2200" dirty="0" err="1">
-                <a:latin typeface="Arial"/>
-                <a:cs typeface="Arial"/>
-              </a:rPr>
-              <a:t>to</a:t>
-            </a:r>
-            <a:r>
-              <a:rPr lang="nl-NL" sz="2200" dirty="0">
-                <a:latin typeface="Arial"/>
-                <a:cs typeface="Arial"/>
-              </a:rPr>
-              <a:t> </a:t>
-            </a:r>
-            <a:r>
-              <a:rPr lang="nl-NL" sz="2200" dirty="0" err="1">
-                <a:latin typeface="Arial"/>
-                <a:cs typeface="Arial"/>
-              </a:rPr>
-              <a:t>improve</a:t>
-            </a:r>
-            <a:endParaRPr lang="nl-NL" sz="2200" dirty="0">
+              </a:rPr>
+              <a:t>Use strength of digital (design) possibilities (not just copy the book)</a:t>
+            </a:r>
+          </a:p>
+          <a:p>
+            <a:endParaRPr lang="en-US" sz="1000" b="1">
               <a:latin typeface="Arial"/>
               <a:cs typeface="Arial"/>
             </a:endParaRPr>
           </a:p>
           <a:p>
-            <a:pPr marL="184150" lvl="1" indent="0">
+            <a:endParaRPr lang="en-US" sz="1000">
+              <a:latin typeface="Arial"/>
+              <a:cs typeface="Arial"/>
+            </a:endParaRPr>
+          </a:p>
+          <a:p>
+            <a:pPr marL="0" indent="0">
               <a:buNone/>
             </a:pPr>
-            <a:endParaRPr lang="nl-NL" sz="2200" dirty="0"/>
+            <a:endParaRPr lang="en-US" sz="1000">
+              <a:latin typeface="Arial"/>
+              <a:cs typeface="Arial"/>
+            </a:endParaRPr>
+          </a:p>
+        </p:txBody>
+      </p:sp>
+      <p:sp>
+        <p:nvSpPr>
+          <p:cNvPr id="10" name="Text Placeholder 9">
+            <a:extLst>
+              <a:ext uri="{FF2B5EF4-FFF2-40B4-BE49-F238E27FC236}">
+                <a16:creationId xmlns:a16="http://schemas.microsoft.com/office/drawing/2014/main" id="{B068F2D4-20B0-566B-2262-AC99D00F445A}"/>
+              </a:ext>
+            </a:extLst>
+          </p:cNvPr>
+          <p:cNvSpPr>
+            <a:spLocks noGrp="1"/>
+          </p:cNvSpPr>
+          <p:nvPr>
+            <p:ph type="body" sz="quarter" idx="24"/>
+          </p:nvPr>
+        </p:nvSpPr>
+        <p:spPr>
+          <a:xfrm>
+            <a:off x="8927080" y="3283080"/>
+            <a:ext cx="2336363" cy="3303856"/>
+          </a:xfrm>
+        </p:spPr>
+        <p:txBody>
+          <a:bodyPr vert="horz" lIns="91440" tIns="45720" rIns="91440" bIns="45720" rtlCol="0" anchor="t">
+            <a:noAutofit/>
+          </a:bodyPr>
+          <a:lstStyle/>
+          <a:p>
+            <a:pPr marL="0" indent="0">
+              <a:buNone/>
+            </a:pPr>
+            <a:r>
+              <a:rPr lang="en-NL" sz="1000" err="1">
+                <a:latin typeface="Arial"/>
+                <a:cs typeface="Arial"/>
+              </a:rPr>
+              <a:t>Increasing</a:t>
+            </a:r>
+            <a:r>
+              <a:rPr lang="en-NL" sz="1000">
+                <a:latin typeface="Arial"/>
+                <a:cs typeface="Arial"/>
+              </a:rPr>
+              <a:t> engagement </a:t>
+            </a:r>
+            <a:r>
+              <a:rPr lang="en-NL" sz="1000" err="1">
+                <a:latin typeface="Arial"/>
+                <a:cs typeface="Arial"/>
+              </a:rPr>
+              <a:t>and</a:t>
+            </a:r>
+            <a:r>
+              <a:rPr lang="en-NL" sz="1000">
+                <a:latin typeface="Arial"/>
+                <a:cs typeface="Arial"/>
+              </a:rPr>
+              <a:t> user </a:t>
+            </a:r>
+            <a:r>
+              <a:rPr lang="en-NL" sz="1000" err="1">
+                <a:latin typeface="Arial"/>
+                <a:cs typeface="Arial"/>
+              </a:rPr>
+              <a:t>satisfaction</a:t>
+            </a:r>
+            <a:r>
+              <a:rPr lang="en-NL" sz="1000">
+                <a:latin typeface="Arial"/>
+                <a:cs typeface="Arial"/>
+              </a:rPr>
+              <a:t> of </a:t>
+            </a:r>
+            <a:r>
+              <a:rPr lang="en-NL" sz="1000" err="1">
+                <a:latin typeface="Arial"/>
+                <a:cs typeface="Arial"/>
+              </a:rPr>
+              <a:t>both</a:t>
+            </a:r>
+            <a:r>
+              <a:rPr lang="en-NL" sz="1000">
+                <a:latin typeface="Arial"/>
+                <a:cs typeface="Arial"/>
+              </a:rPr>
+              <a:t> </a:t>
+            </a:r>
+            <a:r>
+              <a:rPr lang="en-NL" sz="1000" err="1">
+                <a:latin typeface="Arial"/>
+                <a:cs typeface="Arial"/>
+              </a:rPr>
+              <a:t>teachers</a:t>
+            </a:r>
+            <a:r>
+              <a:rPr lang="en-NL" sz="1000">
+                <a:latin typeface="Arial"/>
+                <a:cs typeface="Arial"/>
+              </a:rPr>
+              <a:t> </a:t>
+            </a:r>
+            <a:r>
+              <a:rPr lang="en-NL" sz="1000" err="1">
+                <a:latin typeface="Arial"/>
+                <a:cs typeface="Arial"/>
+              </a:rPr>
+              <a:t>and</a:t>
+            </a:r>
+            <a:r>
+              <a:rPr lang="en-NL" sz="1000">
+                <a:latin typeface="Arial"/>
+                <a:cs typeface="Arial"/>
+              </a:rPr>
+              <a:t> </a:t>
+            </a:r>
+            <a:r>
+              <a:rPr lang="en-NL" sz="1000" err="1">
+                <a:latin typeface="Arial"/>
+                <a:cs typeface="Arial"/>
+              </a:rPr>
+              <a:t>learners</a:t>
+            </a:r>
+            <a:r>
+              <a:rPr lang="en-NL" sz="1000">
+                <a:latin typeface="Arial"/>
+                <a:cs typeface="Arial"/>
+              </a:rPr>
+              <a:t>, </a:t>
+            </a:r>
+            <a:r>
+              <a:rPr lang="en-NL" sz="1000" err="1">
+                <a:latin typeface="Arial"/>
+                <a:cs typeface="Arial"/>
+              </a:rPr>
+              <a:t>by</a:t>
+            </a:r>
+            <a:endParaRPr lang="nl-NL" err="1"/>
+          </a:p>
+          <a:p>
+            <a:pPr marL="184150" indent="-184150"/>
+            <a:r>
+              <a:rPr lang="en-NL" sz="1000">
+                <a:latin typeface="Arial"/>
+                <a:cs typeface="Arial"/>
+              </a:rPr>
+              <a:t>Understanding, documenting &amp; sharing, and prioritizing the needs and behavior of different types of end-users better</a:t>
+            </a:r>
+          </a:p>
+          <a:p>
+            <a:pPr marL="184150" indent="-184150"/>
+            <a:r>
+              <a:rPr lang="en-NL" sz="1000">
+                <a:latin typeface="Arial"/>
+                <a:cs typeface="Arial"/>
+              </a:rPr>
+              <a:t>Start getting more insights in learners</a:t>
+            </a:r>
+          </a:p>
+          <a:p>
+            <a:pPr marL="184150" indent="-184150"/>
+            <a:r>
+              <a:rPr lang="en-NL" sz="1000">
+                <a:latin typeface="Arial"/>
+                <a:cs typeface="Arial"/>
+              </a:rPr>
+              <a:t>Introducing additional metrics on user satisfaction (combining behavioral and attitudinal)</a:t>
+            </a:r>
+          </a:p>
+          <a:p>
+            <a:pPr marL="184150" indent="-184150"/>
+            <a:r>
+              <a:rPr lang="en-NL" sz="1000">
+                <a:latin typeface="Arial"/>
+                <a:cs typeface="Arial"/>
+              </a:rPr>
+              <a:t>Creating fast feedback loops</a:t>
+            </a:r>
+          </a:p>
+        </p:txBody>
+      </p:sp>
+      <p:sp>
+        <p:nvSpPr>
+          <p:cNvPr id="12" name="Text Placeholder 7">
+            <a:extLst>
+              <a:ext uri="{FF2B5EF4-FFF2-40B4-BE49-F238E27FC236}">
+                <a16:creationId xmlns:a16="http://schemas.microsoft.com/office/drawing/2014/main" id="{4AA7E3BD-2DE6-1BC7-CBF4-F3C2026F76D9}"/>
+              </a:ext>
+            </a:extLst>
+          </p:cNvPr>
+          <p:cNvSpPr txBox="1">
+            <a:spLocks/>
+          </p:cNvSpPr>
+          <p:nvPr/>
+        </p:nvSpPr>
+        <p:spPr>
+          <a:xfrm>
+            <a:off x="6205591" y="3283080"/>
+            <a:ext cx="2374287" cy="3303856"/>
+          </a:xfrm>
+          <a:prstGeom prst="rect">
+            <a:avLst/>
+          </a:prstGeom>
+        </p:spPr>
+        <p:txBody>
+          <a:bodyPr vert="horz" lIns="91440" tIns="45720" rIns="91440" bIns="45720" rtlCol="0" anchor="t">
+            <a:noAutofit/>
+          </a:bodyPr>
+          <a:lstStyle>
+            <a:lvl1pPr marL="285750" indent="-285750" algn="l" defTabSz="728644" rtl="0" eaLnBrk="1" fontAlgn="base" hangingPunct="1">
+              <a:lnSpc>
+                <a:spcPct val="100000"/>
+              </a:lnSpc>
+              <a:spcBef>
+                <a:spcPts val="600"/>
+              </a:spcBef>
+              <a:spcAft>
+                <a:spcPct val="0"/>
+              </a:spcAft>
+              <a:buClr>
+                <a:schemeClr val="tx2"/>
+              </a:buClr>
+              <a:buSzPct val="100000"/>
+              <a:buFont typeface="Arial" panose="020B0604020202020204" pitchFamily="34" charset="0"/>
+              <a:buChar char="■"/>
+              <a:defRPr sz="2000" b="0">
+                <a:solidFill>
+                  <a:schemeClr val="tx1"/>
+                </a:solidFill>
+                <a:latin typeface="Arial" panose="020B0604020202020204" pitchFamily="34" charset="0"/>
+                <a:ea typeface="+mn-ea"/>
+                <a:cs typeface="Arial" panose="020B0604020202020204" pitchFamily="34" charset="0"/>
+              </a:defRPr>
+            </a:lvl1pPr>
+            <a:lvl2pPr marL="450850" indent="-266700" algn="l" defTabSz="357188" rtl="0" eaLnBrk="1" fontAlgn="base" hangingPunct="1">
+              <a:lnSpc>
+                <a:spcPct val="100000"/>
+              </a:lnSpc>
+              <a:spcBef>
+                <a:spcPts val="0"/>
+              </a:spcBef>
+              <a:spcAft>
+                <a:spcPct val="0"/>
+              </a:spcAft>
+              <a:buClrTx/>
+              <a:buSzPct val="100000"/>
+              <a:buFont typeface="Arial" panose="020B0604020202020204" pitchFamily="34" charset="0"/>
+              <a:buChar char="•"/>
+              <a:defRPr sz="1800" b="0">
+                <a:solidFill>
+                  <a:schemeClr val="tx1"/>
+                </a:solidFill>
+                <a:latin typeface="Arial" panose="020B0604020202020204" pitchFamily="34" charset="0"/>
+                <a:cs typeface="Arial" panose="020B0604020202020204" pitchFamily="34" charset="0"/>
+              </a:defRPr>
+            </a:lvl2pPr>
+            <a:lvl3pPr marL="627063" indent="-266700" algn="l" defTabSz="357188" rtl="0" eaLnBrk="1" fontAlgn="base" hangingPunct="1">
+              <a:lnSpc>
+                <a:spcPct val="100000"/>
+              </a:lnSpc>
+              <a:spcBef>
+                <a:spcPct val="0"/>
+              </a:spcBef>
+              <a:spcAft>
+                <a:spcPct val="0"/>
+              </a:spcAft>
+              <a:buClrTx/>
+              <a:buSzPct val="100000"/>
+              <a:buFont typeface="Arial" panose="020B0604020202020204" pitchFamily="34" charset="0"/>
+              <a:buChar char="•"/>
+              <a:defRPr sz="1600" b="0">
+                <a:solidFill>
+                  <a:schemeClr val="tx1"/>
+                </a:solidFill>
+                <a:latin typeface="Arial" panose="020B0604020202020204" pitchFamily="34" charset="0"/>
+                <a:cs typeface="Arial" panose="020B0604020202020204" pitchFamily="34" charset="0"/>
+              </a:defRPr>
+            </a:lvl3pPr>
+            <a:lvl4pPr marL="804863" indent="-266700" algn="l" defTabSz="357188" rtl="0" eaLnBrk="1" fontAlgn="base" hangingPunct="1">
+              <a:lnSpc>
+                <a:spcPct val="100000"/>
+              </a:lnSpc>
+              <a:spcBef>
+                <a:spcPct val="0"/>
+              </a:spcBef>
+              <a:spcAft>
+                <a:spcPct val="0"/>
+              </a:spcAft>
+              <a:buClrTx/>
+              <a:buFont typeface="Arial" panose="020B0604020202020204" pitchFamily="34" charset="0"/>
+              <a:buChar char="•"/>
+              <a:defRPr sz="1400" b="0">
+                <a:solidFill>
+                  <a:schemeClr val="tx1"/>
+                </a:solidFill>
+                <a:latin typeface="Arial" panose="020B0604020202020204" pitchFamily="34" charset="0"/>
+                <a:cs typeface="Arial" panose="020B0604020202020204" pitchFamily="34" charset="0"/>
+              </a:defRPr>
+            </a:lvl4pPr>
+            <a:lvl5pPr marL="982663" indent="-271463" algn="l" defTabSz="357188" rtl="0" eaLnBrk="1" fontAlgn="base" hangingPunct="1">
+              <a:lnSpc>
+                <a:spcPct val="100000"/>
+              </a:lnSpc>
+              <a:spcBef>
+                <a:spcPct val="0"/>
+              </a:spcBef>
+              <a:spcAft>
+                <a:spcPct val="0"/>
+              </a:spcAft>
+              <a:buClrTx/>
+              <a:buFont typeface="Arial" panose="020B0604020202020204" pitchFamily="34" charset="0"/>
+              <a:buChar char="•"/>
+              <a:defRPr sz="1200" b="0">
+                <a:solidFill>
+                  <a:schemeClr val="tx1"/>
+                </a:solidFill>
+                <a:latin typeface="Arial" panose="020B0604020202020204" pitchFamily="34" charset="0"/>
+                <a:cs typeface="Arial" panose="020B0604020202020204" pitchFamily="34" charset="0"/>
+              </a:defRPr>
+            </a:lvl5pPr>
+            <a:lvl6pPr marL="1166813" indent="-268288" algn="l" defTabSz="728644" rtl="0" eaLnBrk="1" fontAlgn="base" hangingPunct="1">
+              <a:lnSpc>
+                <a:spcPct val="95000"/>
+              </a:lnSpc>
+              <a:spcBef>
+                <a:spcPct val="0"/>
+              </a:spcBef>
+              <a:spcAft>
+                <a:spcPct val="0"/>
+              </a:spcAft>
+              <a:buClr>
+                <a:schemeClr val="tx1"/>
+              </a:buClr>
+              <a:buFont typeface="Arial" panose="020B0604020202020204" pitchFamily="34" charset="0"/>
+              <a:buChar char="•"/>
+              <a:defRPr sz="1000">
+                <a:solidFill>
+                  <a:schemeClr val="tx1"/>
+                </a:solidFill>
+                <a:latin typeface="+mn-lt"/>
+              </a:defRPr>
+            </a:lvl6pPr>
+            <a:lvl7pPr marL="1254125" indent="-174625" algn="l" defTabSz="728644" rtl="0" eaLnBrk="1" fontAlgn="base" hangingPunct="1">
+              <a:lnSpc>
+                <a:spcPct val="95000"/>
+              </a:lnSpc>
+              <a:spcBef>
+                <a:spcPct val="0"/>
+              </a:spcBef>
+              <a:spcAft>
+                <a:spcPct val="0"/>
+              </a:spcAft>
+              <a:buClr>
+                <a:schemeClr val="tx1"/>
+              </a:buClr>
+              <a:buFont typeface="Arial" panose="020B0604020202020204" pitchFamily="34" charset="0"/>
+              <a:buChar char="•"/>
+              <a:defRPr sz="1000">
+                <a:solidFill>
+                  <a:schemeClr val="tx1"/>
+                </a:solidFill>
+                <a:latin typeface="+mn-lt"/>
+              </a:defRPr>
+            </a:lvl7pPr>
+            <a:lvl8pPr marL="1525588" indent="-179388" algn="l" defTabSz="728644" rtl="0" eaLnBrk="1" fontAlgn="base" hangingPunct="1">
+              <a:lnSpc>
+                <a:spcPct val="95000"/>
+              </a:lnSpc>
+              <a:spcBef>
+                <a:spcPct val="0"/>
+              </a:spcBef>
+              <a:spcAft>
+                <a:spcPct val="0"/>
+              </a:spcAft>
+              <a:buClr>
+                <a:schemeClr val="tx1"/>
+              </a:buClr>
+              <a:buFont typeface="Arial" panose="020B0604020202020204" pitchFamily="34" charset="0"/>
+              <a:buChar char="•"/>
+              <a:defRPr sz="1000">
+                <a:solidFill>
+                  <a:schemeClr val="tx1"/>
+                </a:solidFill>
+                <a:latin typeface="+mn-lt"/>
+              </a:defRPr>
+            </a:lvl8pPr>
+            <a:lvl9pPr marL="1704975" indent="-179388" algn="l" defTabSz="728644" rtl="0" eaLnBrk="1" fontAlgn="base" hangingPunct="1">
+              <a:lnSpc>
+                <a:spcPct val="95000"/>
+              </a:lnSpc>
+              <a:spcBef>
+                <a:spcPct val="0"/>
+              </a:spcBef>
+              <a:spcAft>
+                <a:spcPct val="0"/>
+              </a:spcAft>
+              <a:buClr>
+                <a:schemeClr val="tx1"/>
+              </a:buClr>
+              <a:buFont typeface="Arial" panose="020B0604020202020204" pitchFamily="34" charset="0"/>
+              <a:buChar char="•"/>
+              <a:defRPr sz="1000">
+                <a:solidFill>
+                  <a:schemeClr val="tx1"/>
+                </a:solidFill>
+                <a:latin typeface="+mn-lt"/>
+              </a:defRPr>
+            </a:lvl9pPr>
+          </a:lstStyle>
+          <a:p>
+            <a:pPr marL="0" indent="0">
+              <a:buNone/>
+            </a:pPr>
+            <a:r>
+              <a:rPr lang="en-NL" sz="1000" kern="0">
+                <a:latin typeface="Arial"/>
+                <a:cs typeface="Arial"/>
+              </a:rPr>
+              <a:t>Start a Design Ops Team: </a:t>
+            </a:r>
+            <a:r>
+              <a:rPr lang="en-GB" sz="1000" i="0">
+                <a:solidFill>
+                  <a:schemeClr val="accent5"/>
+                </a:solidFill>
+                <a:effectLst/>
+                <a:latin typeface="+mn-lt"/>
+                <a:cs typeface="Arial"/>
+              </a:rPr>
+              <a:t>creating operational efficiency across everything that touches the design process, including:</a:t>
+            </a:r>
+          </a:p>
+          <a:p>
+            <a:pPr marL="184150" lvl="1" indent="-184150" defTabSz="728644">
+              <a:spcBef>
+                <a:spcPts val="600"/>
+              </a:spcBef>
+              <a:buClr>
+                <a:schemeClr val="tx2"/>
+              </a:buClr>
+              <a:buFont typeface="Arial" panose="020B0604020202020204" pitchFamily="34" charset="0"/>
+              <a:buChar char="■"/>
+            </a:pPr>
+            <a:r>
+              <a:rPr lang="en-NL" sz="1000" b="1"/>
+              <a:t>User Centered Design Process</a:t>
+            </a:r>
+            <a:r>
+              <a:rPr lang="en-NL" sz="1000"/>
+              <a:t>: Follow a common, user focused, way of working</a:t>
+            </a:r>
+          </a:p>
+          <a:p>
+            <a:pPr marL="184150" lvl="1" indent="-184150" defTabSz="728644">
+              <a:spcBef>
+                <a:spcPts val="600"/>
+              </a:spcBef>
+              <a:buClr>
+                <a:schemeClr val="tx2"/>
+              </a:buClr>
+              <a:buFont typeface="Arial" panose="020B0604020202020204" pitchFamily="34" charset="0"/>
+              <a:buChar char="■"/>
+            </a:pPr>
+            <a:r>
+              <a:rPr lang="en-NL" sz="1000" b="1"/>
+              <a:t>Set up a User/UX Research practice</a:t>
+            </a:r>
+            <a:r>
+              <a:rPr lang="en-NL" sz="1000"/>
+              <a:t>: Making it easy to connect to teachers and learners on a regular basis, set up new research methods (i.e. AB testing) and get daily, actionable insights</a:t>
+            </a:r>
+          </a:p>
+          <a:p>
+            <a:pPr marL="184150" lvl="1" indent="-184150" defTabSz="728644">
+              <a:spcBef>
+                <a:spcPts val="600"/>
+              </a:spcBef>
+              <a:buClr>
+                <a:schemeClr val="tx2"/>
+              </a:buClr>
+              <a:buFont typeface="Arial" panose="020B0604020202020204" pitchFamily="34" charset="0"/>
+              <a:buChar char="■"/>
+            </a:pPr>
+            <a:r>
+              <a:rPr lang="en-NL" sz="1000" b="1"/>
+              <a:t>Desirability</a:t>
+            </a:r>
+            <a:r>
+              <a:rPr lang="en-NL" sz="1000"/>
+              <a:t>: Uplift look&amp;feel by hiring Visual Design/ UI/ Art Direction skills</a:t>
+            </a:r>
+          </a:p>
+          <a:p>
+            <a:pPr marL="268288" lvl="1" indent="-176213"/>
+            <a:endParaRPr lang="en-NL" sz="1000" kern="0"/>
           </a:p>
           <a:p>
             <a:pPr>
@@ -6266,60 +8513,491 @@
                 <a:srgbClr val="0092CF"/>
               </a:buClr>
             </a:pPr>
-            <a:r>
-              <a:rPr lang="nl-NL" sz="2200" dirty="0" err="1">
+            <a:endParaRPr lang="en-NL" sz="1000" kern="0"/>
+          </a:p>
+        </p:txBody>
+      </p:sp>
+      <p:pic>
+        <p:nvPicPr>
+          <p:cNvPr id="14" name="Picture 13">
+            <a:extLst>
+              <a:ext uri="{FF2B5EF4-FFF2-40B4-BE49-F238E27FC236}">
+                <a16:creationId xmlns:a16="http://schemas.microsoft.com/office/drawing/2014/main" id="{713140DE-CB69-7E13-B5AD-65676C63D71F}"/>
+              </a:ext>
+            </a:extLst>
+          </p:cNvPr>
+          <p:cNvPicPr>
+            <a:picLocks noChangeAspect="1"/>
+          </p:cNvPicPr>
+          <p:nvPr/>
+        </p:nvPicPr>
+        <p:blipFill rotWithShape="1">
+          <a:blip r:embed="rId3"/>
+          <a:srcRect l="1543" t="-135" r="193" b="11377"/>
+          <a:stretch/>
+        </p:blipFill>
+        <p:spPr>
+          <a:xfrm>
+            <a:off x="5943454" y="1681663"/>
+            <a:ext cx="2982222" cy="907725"/>
+          </a:xfrm>
+          <a:prstGeom prst="rect">
+            <a:avLst/>
+          </a:prstGeom>
+        </p:spPr>
+      </p:pic>
+      <p:sp>
+        <p:nvSpPr>
+          <p:cNvPr id="27" name="TextBox 26">
+            <a:extLst>
+              <a:ext uri="{FF2B5EF4-FFF2-40B4-BE49-F238E27FC236}">
+                <a16:creationId xmlns:a16="http://schemas.microsoft.com/office/drawing/2014/main" id="{E43DD4CE-5F8E-CDE1-748C-0984D17D899E}"/>
+              </a:ext>
+            </a:extLst>
+          </p:cNvPr>
+          <p:cNvSpPr txBox="1"/>
+          <p:nvPr/>
+        </p:nvSpPr>
+        <p:spPr>
+          <a:xfrm>
+            <a:off x="655613" y="862386"/>
+            <a:ext cx="7501797" cy="369332"/>
+          </a:xfrm>
+          <a:prstGeom prst="rect">
+            <a:avLst/>
+          </a:prstGeom>
+          <a:noFill/>
+        </p:spPr>
+        <p:txBody>
+          <a:bodyPr wrap="square" lIns="91440" tIns="45720" rIns="91440" bIns="45720" anchor="t">
+            <a:spAutoFit/>
+          </a:bodyPr>
+          <a:lstStyle/>
+          <a:p>
+            <a:pPr algn="l"/>
+            <a:r>
+              <a:rPr lang="en-NL" dirty="0">
                 <a:latin typeface="Arial"/>
                 <a:cs typeface="Arial"/>
               </a:rPr>
-              <a:t>Conclusion</a:t>
-            </a:r>
-            <a:endParaRPr lang="nl-NL" sz="2200" dirty="0">
+              <a:t>Focus on Customer Intimacy and A Continuous Feedback Loop</a:t>
+            </a:r>
+            <a:endParaRPr lang="en-US" dirty="0">
               <a:latin typeface="Arial"/>
               <a:cs typeface="Arial"/>
             </a:endParaRPr>
           </a:p>
-          <a:p>
-            <a:pPr>
-              <a:buClr>
-                <a:srgbClr val="0092CF"/>
-              </a:buClr>
+        </p:txBody>
+      </p:sp>
+      <p:sp>
+        <p:nvSpPr>
+          <p:cNvPr id="29" name="Right Arrow 28">
+            <a:extLst>
+              <a:ext uri="{FF2B5EF4-FFF2-40B4-BE49-F238E27FC236}">
+                <a16:creationId xmlns:a16="http://schemas.microsoft.com/office/drawing/2014/main" id="{9A5AED26-B312-2A3C-0C9A-1A38CFC2CFCB}"/>
+              </a:ext>
+            </a:extLst>
+          </p:cNvPr>
+          <p:cNvSpPr/>
+          <p:nvPr/>
+        </p:nvSpPr>
+        <p:spPr bwMode="auto">
+          <a:xfrm>
+            <a:off x="3142489" y="3434594"/>
+            <a:ext cx="305742" cy="307965"/>
+          </a:xfrm>
+          <a:prstGeom prst="rightArrow">
+            <a:avLst/>
+          </a:prstGeom>
+          <a:solidFill>
+            <a:schemeClr val="tx1">
+              <a:lumMod val="75000"/>
+            </a:schemeClr>
+          </a:solidFill>
+          <a:ln w="6350" cap="flat" cmpd="sng" algn="ctr">
+            <a:noFill/>
+            <a:prstDash val="solid"/>
+            <a:round/>
+            <a:headEnd type="none" w="med" len="med"/>
+            <a:tailEnd type="none" w="med" len="med"/>
+          </a:ln>
+          <a:effectLst/>
+        </p:spPr>
+        <p:txBody>
+          <a:bodyPr vert="horz" wrap="none" lIns="36000" tIns="36000" rIns="36000" bIns="36000" numCol="1" rtlCol="0" anchor="t" anchorCtr="0" compatLnSpc="1">
+            <a:prstTxWarp prst="textNoShape">
+              <a:avLst/>
+            </a:prstTxWarp>
+            <a:normAutofit fontScale="55000" lnSpcReduction="20000"/>
+          </a:bodyPr>
+          <a:lstStyle/>
+          <a:p>
+            <a:pPr marL="108000" marR="0" indent="-108000" algn="l" defTabSz="728663" rtl="0" eaLnBrk="1" fontAlgn="base" latinLnBrk="0" hangingPunct="1">
+              <a:spcBef>
+                <a:spcPct val="0"/>
+              </a:spcBef>
+              <a:spcAft>
+                <a:spcPct val="0"/>
+              </a:spcAft>
+              <a:buSzTx/>
+              <a:buFont typeface="Arial" panose="020B0604020202020204" pitchFamily="34" charset="0"/>
+              <a:buChar char="•"/>
+              <a:tabLst>
+                <a:tab pos="4286250" algn="l"/>
+              </a:tabLst>
             </a:pPr>
-            <a:r>
-              <a:rPr lang="nl-NL" sz="2200" dirty="0" err="1">
-                <a:latin typeface="Arial"/>
-                <a:cs typeface="Arial"/>
-              </a:rPr>
-              <a:t>Questions</a:t>
-            </a:r>
-            <a:r>
-              <a:rPr lang="nl-NL" sz="2200" dirty="0">
-                <a:latin typeface="Arial"/>
-                <a:cs typeface="Arial"/>
-              </a:rPr>
-              <a:t>/ </a:t>
-            </a:r>
-            <a:r>
-              <a:rPr lang="nl-NL" sz="2200" dirty="0" err="1">
-                <a:latin typeface="Arial"/>
-                <a:cs typeface="Arial"/>
-              </a:rPr>
-              <a:t>Discussion</a:t>
-            </a:r>
-            <a:r>
-              <a:rPr lang="nl-NL" sz="2200" dirty="0">
-                <a:latin typeface="Arial"/>
-                <a:cs typeface="Arial"/>
-              </a:rPr>
-              <a:t>/ Next Steps</a:t>
-            </a:r>
-            <a:endParaRPr lang="nl-NL" sz="2200" dirty="0"/>
+            <a:endParaRPr kumimoji="0" lang="en-GB" sz="1100" b="0" i="0" u="none" strike="noStrike" cap="none" normalizeH="0" baseline="0">
+              <a:ln>
+                <a:noFill/>
+              </a:ln>
+              <a:solidFill>
+                <a:srgbClr val="000000"/>
+              </a:solidFill>
+              <a:effectLst/>
+            </a:endParaRPr>
+          </a:p>
+        </p:txBody>
+      </p:sp>
+      <p:sp>
+        <p:nvSpPr>
+          <p:cNvPr id="30" name="Right Arrow 29">
+            <a:extLst>
+              <a:ext uri="{FF2B5EF4-FFF2-40B4-BE49-F238E27FC236}">
+                <a16:creationId xmlns:a16="http://schemas.microsoft.com/office/drawing/2014/main" id="{9493E88D-6091-58E0-650F-E3E0F3A76DAE}"/>
+              </a:ext>
+            </a:extLst>
+          </p:cNvPr>
+          <p:cNvSpPr/>
+          <p:nvPr/>
+        </p:nvSpPr>
+        <p:spPr bwMode="auto">
+          <a:xfrm>
+            <a:off x="5879113" y="3465885"/>
+            <a:ext cx="305742" cy="307965"/>
+          </a:xfrm>
+          <a:prstGeom prst="rightArrow">
+            <a:avLst/>
+          </a:prstGeom>
+          <a:solidFill>
+            <a:schemeClr val="tx1">
+              <a:lumMod val="75000"/>
+            </a:schemeClr>
+          </a:solidFill>
+          <a:ln w="6350" cap="flat" cmpd="sng" algn="ctr">
+            <a:noFill/>
+            <a:prstDash val="solid"/>
+            <a:round/>
+            <a:headEnd type="none" w="med" len="med"/>
+            <a:tailEnd type="none" w="med" len="med"/>
+          </a:ln>
+          <a:effectLst/>
+        </p:spPr>
+        <p:txBody>
+          <a:bodyPr vert="horz" wrap="none" lIns="36000" tIns="36000" rIns="36000" bIns="36000" numCol="1" rtlCol="0" anchor="t" anchorCtr="0" compatLnSpc="1">
+            <a:prstTxWarp prst="textNoShape">
+              <a:avLst/>
+            </a:prstTxWarp>
+            <a:normAutofit fontScale="55000" lnSpcReduction="20000"/>
+          </a:bodyPr>
+          <a:lstStyle/>
+          <a:p>
+            <a:pPr marL="108000" marR="0" indent="-108000" algn="l" defTabSz="728663" rtl="0" eaLnBrk="1" fontAlgn="base" latinLnBrk="0" hangingPunct="1">
+              <a:spcBef>
+                <a:spcPct val="0"/>
+              </a:spcBef>
+              <a:spcAft>
+                <a:spcPct val="0"/>
+              </a:spcAft>
+              <a:buSzTx/>
+              <a:buFont typeface="Arial" panose="020B0604020202020204" pitchFamily="34" charset="0"/>
+              <a:buChar char="•"/>
+              <a:tabLst>
+                <a:tab pos="4286250" algn="l"/>
+              </a:tabLst>
+            </a:pPr>
+            <a:endParaRPr kumimoji="0" lang="en-GB" sz="1100" b="0" i="0" u="none" strike="noStrike" cap="none" normalizeH="0" baseline="0">
+              <a:ln>
+                <a:noFill/>
+              </a:ln>
+              <a:solidFill>
+                <a:srgbClr val="000000"/>
+              </a:solidFill>
+              <a:effectLst/>
+            </a:endParaRPr>
+          </a:p>
+        </p:txBody>
+      </p:sp>
+      <p:sp>
+        <p:nvSpPr>
+          <p:cNvPr id="31" name="Right Arrow 30">
+            <a:extLst>
+              <a:ext uri="{FF2B5EF4-FFF2-40B4-BE49-F238E27FC236}">
+                <a16:creationId xmlns:a16="http://schemas.microsoft.com/office/drawing/2014/main" id="{78E1B881-C17E-0243-ACF8-F8D8DF4DB5DB}"/>
+              </a:ext>
+            </a:extLst>
+          </p:cNvPr>
+          <p:cNvSpPr/>
+          <p:nvPr/>
+        </p:nvSpPr>
+        <p:spPr bwMode="auto">
+          <a:xfrm>
+            <a:off x="8596401" y="3463801"/>
+            <a:ext cx="305742" cy="307965"/>
+          </a:xfrm>
+          <a:prstGeom prst="rightArrow">
+            <a:avLst/>
+          </a:prstGeom>
+          <a:solidFill>
+            <a:schemeClr val="tx1">
+              <a:lumMod val="75000"/>
+            </a:schemeClr>
+          </a:solidFill>
+          <a:ln w="6350" cap="flat" cmpd="sng" algn="ctr">
+            <a:noFill/>
+            <a:prstDash val="solid"/>
+            <a:round/>
+            <a:headEnd type="none" w="med" len="med"/>
+            <a:tailEnd type="none" w="med" len="med"/>
+          </a:ln>
+          <a:effectLst/>
+        </p:spPr>
+        <p:txBody>
+          <a:bodyPr vert="horz" wrap="none" lIns="36000" tIns="36000" rIns="36000" bIns="36000" numCol="1" rtlCol="0" anchor="t" anchorCtr="0" compatLnSpc="1">
+            <a:prstTxWarp prst="textNoShape">
+              <a:avLst/>
+            </a:prstTxWarp>
+            <a:normAutofit fontScale="55000" lnSpcReduction="20000"/>
+          </a:bodyPr>
+          <a:lstStyle/>
+          <a:p>
+            <a:pPr marL="108000" marR="0" indent="-108000" algn="l" defTabSz="728663" rtl="0" eaLnBrk="1" fontAlgn="base" latinLnBrk="0" hangingPunct="1">
+              <a:spcBef>
+                <a:spcPct val="0"/>
+              </a:spcBef>
+              <a:spcAft>
+                <a:spcPct val="0"/>
+              </a:spcAft>
+              <a:buSzTx/>
+              <a:buFont typeface="Arial" panose="020B0604020202020204" pitchFamily="34" charset="0"/>
+              <a:buChar char="•"/>
+              <a:tabLst>
+                <a:tab pos="4286250" algn="l"/>
+              </a:tabLst>
+            </a:pPr>
+            <a:endParaRPr kumimoji="0" lang="en-GB" sz="1100" b="0" i="0" u="none" strike="noStrike" cap="none" normalizeH="0" baseline="0">
+              <a:ln>
+                <a:noFill/>
+              </a:ln>
+              <a:solidFill>
+                <a:srgbClr val="000000"/>
+              </a:solidFill>
+              <a:effectLst/>
+            </a:endParaRPr>
+          </a:p>
+        </p:txBody>
+      </p:sp>
+      <p:pic>
+        <p:nvPicPr>
+          <p:cNvPr id="2" name="Afbeelding 1" descr="Prinsip User-Centered Design untuk Pengembangan Produk">
+            <a:extLst>
+              <a:ext uri="{FF2B5EF4-FFF2-40B4-BE49-F238E27FC236}">
+                <a16:creationId xmlns:a16="http://schemas.microsoft.com/office/drawing/2014/main" id="{ABA623F8-FEA5-79B5-232A-5AE1441261DD}"/>
+              </a:ext>
+            </a:extLst>
+          </p:cNvPr>
+          <p:cNvPicPr>
+            <a:picLocks noChangeAspect="1"/>
+          </p:cNvPicPr>
+          <p:nvPr/>
+        </p:nvPicPr>
+        <p:blipFill>
+          <a:blip r:embed="rId4"/>
+          <a:stretch>
+            <a:fillRect/>
+          </a:stretch>
+        </p:blipFill>
+        <p:spPr>
+          <a:xfrm>
+            <a:off x="3504657" y="1334509"/>
+            <a:ext cx="2457693" cy="1608459"/>
+          </a:xfrm>
+          <a:prstGeom prst="rect">
+            <a:avLst/>
+          </a:prstGeom>
+        </p:spPr>
+      </p:pic>
+      <p:pic>
+        <p:nvPicPr>
+          <p:cNvPr id="15" name="Afbeelding 14" descr="Afbeelding met tekst, schermopname, software, Webpagina&#10;&#10;Automatisch gegenereerde beschrijving">
+            <a:extLst>
+              <a:ext uri="{FF2B5EF4-FFF2-40B4-BE49-F238E27FC236}">
+                <a16:creationId xmlns:a16="http://schemas.microsoft.com/office/drawing/2014/main" id="{91D96417-7272-CCC9-9E29-A2CEE85829F0}"/>
+              </a:ext>
+            </a:extLst>
+          </p:cNvPr>
+          <p:cNvPicPr>
+            <a:picLocks noChangeAspect="1"/>
+          </p:cNvPicPr>
+          <p:nvPr/>
+        </p:nvPicPr>
+        <p:blipFill>
+          <a:blip r:embed="rId5"/>
+          <a:stretch>
+            <a:fillRect/>
+          </a:stretch>
+        </p:blipFill>
+        <p:spPr>
+          <a:xfrm>
+            <a:off x="1306812" y="1839015"/>
+            <a:ext cx="1988637" cy="1105811"/>
+          </a:xfrm>
+          <a:prstGeom prst="rect">
+            <a:avLst/>
+          </a:prstGeom>
+        </p:spPr>
+      </p:pic>
+      <p:pic>
+        <p:nvPicPr>
+          <p:cNvPr id="17" name="Afbeelding 16" descr="Afbeelding met tekst, Lettertype, driehoek&#10;&#10;Automatisch gegenereerde beschrijving">
+            <a:extLst>
+              <a:ext uri="{FF2B5EF4-FFF2-40B4-BE49-F238E27FC236}">
+                <a16:creationId xmlns:a16="http://schemas.microsoft.com/office/drawing/2014/main" id="{746FCB11-C608-A045-49AB-544A9D371947}"/>
+              </a:ext>
+            </a:extLst>
+          </p:cNvPr>
+          <p:cNvPicPr>
+            <a:picLocks noChangeAspect="1"/>
+          </p:cNvPicPr>
+          <p:nvPr/>
+        </p:nvPicPr>
+        <p:blipFill>
+          <a:blip r:embed="rId2"/>
+          <a:stretch>
+            <a:fillRect/>
+          </a:stretch>
+        </p:blipFill>
+        <p:spPr>
+          <a:xfrm>
+            <a:off x="10609996" y="1097023"/>
+            <a:ext cx="1418231" cy="1041611"/>
+          </a:xfrm>
+          <a:prstGeom prst="rect">
+            <a:avLst/>
+          </a:prstGeom>
+        </p:spPr>
+      </p:pic>
+      <p:pic>
+        <p:nvPicPr>
+          <p:cNvPr id="13" name="Afbeelding 12" descr="Afbeelding met tekst, elektronica, scherm, computerbeeldscherm&#10;&#10;Automatisch gegenereerde beschrijving">
+            <a:extLst>
+              <a:ext uri="{FF2B5EF4-FFF2-40B4-BE49-F238E27FC236}">
+                <a16:creationId xmlns:a16="http://schemas.microsoft.com/office/drawing/2014/main" id="{D509E3E2-5AB6-7A2E-A604-CDC1B1E3BA40}"/>
+              </a:ext>
+            </a:extLst>
+          </p:cNvPr>
+          <p:cNvPicPr>
+            <a:picLocks noChangeAspect="1"/>
+          </p:cNvPicPr>
+          <p:nvPr/>
+        </p:nvPicPr>
+        <p:blipFill rotWithShape="1">
+          <a:blip r:embed="rId6"/>
+          <a:srcRect r="2953" b="3857"/>
+          <a:stretch/>
+        </p:blipFill>
+        <p:spPr>
+          <a:xfrm>
+            <a:off x="9023445" y="1559498"/>
+            <a:ext cx="1900188" cy="1322104"/>
+          </a:xfrm>
+          <a:prstGeom prst="rect">
+            <a:avLst/>
+          </a:prstGeom>
+        </p:spPr>
+      </p:pic>
+      <p:sp>
+        <p:nvSpPr>
+          <p:cNvPr id="3" name="Oval 2">
+            <a:extLst>
+              <a:ext uri="{FF2B5EF4-FFF2-40B4-BE49-F238E27FC236}">
+                <a16:creationId xmlns:a16="http://schemas.microsoft.com/office/drawing/2014/main" id="{A5B58F44-81D8-C7BE-7262-661D620C2CCC}"/>
+              </a:ext>
+            </a:extLst>
+          </p:cNvPr>
+          <p:cNvSpPr/>
+          <p:nvPr/>
+        </p:nvSpPr>
+        <p:spPr bwMode="auto">
+          <a:xfrm>
+            <a:off x="239044" y="449449"/>
+            <a:ext cx="324000" cy="324000"/>
+          </a:xfrm>
+          <a:prstGeom prst="ellipse">
+            <a:avLst/>
+          </a:prstGeom>
+          <a:solidFill>
+            <a:schemeClr val="accent4"/>
+          </a:solidFill>
+          <a:ln w="12700" cap="flat" cmpd="sng" algn="ctr">
+            <a:solidFill>
+              <a:schemeClr val="bg1"/>
+            </a:solidFill>
+            <a:prstDash val="solid"/>
+            <a:round/>
+            <a:headEnd type="none" w="med" len="med"/>
+            <a:tailEnd type="none" w="med" len="med"/>
+          </a:ln>
+          <a:effectLst/>
+        </p:spPr>
+        <p:txBody>
+          <a:bodyPr vert="horz" wrap="none" lIns="36000" tIns="36000" rIns="36000" bIns="36000" numCol="1" rtlCol="0" anchor="ctr" anchorCtr="0" compatLnSpc="1">
+            <a:prstTxWarp prst="textNoShape">
+              <a:avLst/>
+            </a:prstTxWarp>
+            <a:noAutofit/>
+          </a:bodyPr>
+          <a:lstStyle/>
+          <a:p>
+            <a:pPr marR="0" algn="ctr" defTabSz="728663" rtl="0" eaLnBrk="1" fontAlgn="base" latinLnBrk="0" hangingPunct="1">
+              <a:spcBef>
+                <a:spcPct val="0"/>
+              </a:spcBef>
+              <a:spcAft>
+                <a:spcPct val="0"/>
+              </a:spcAft>
+              <a:buSzTx/>
+              <a:tabLst>
+                <a:tab pos="4286250" algn="l"/>
+              </a:tabLst>
+            </a:pPr>
+            <a:r>
+              <a:rPr kumimoji="0" lang="nl-NL" sz="2000" b="1" i="0" u="none" strike="noStrike" cap="none" normalizeH="0" baseline="0">
+                <a:ln>
+                  <a:noFill/>
+                </a:ln>
+                <a:solidFill>
+                  <a:schemeClr val="bg1"/>
+                </a:solidFill>
+                <a:effectLst/>
+              </a:rPr>
+              <a:t>D</a:t>
+            </a:r>
+            <a:endParaRPr kumimoji="0" lang="nl-NL" sz="1000" b="1" i="0" u="none" strike="noStrike" cap="none" normalizeH="0" baseline="0">
+              <a:ln>
+                <a:noFill/>
+              </a:ln>
+              <a:solidFill>
+                <a:schemeClr val="bg1"/>
+              </a:solidFill>
+              <a:effectLst/>
+            </a:endParaRPr>
           </a:p>
         </p:txBody>
       </p:sp>
     </p:spTree>
     <p:extLst>
       <p:ext uri="{BB962C8B-B14F-4D97-AF65-F5344CB8AC3E}">
-        <p14:creationId xmlns:p14="http://schemas.microsoft.com/office/powerpoint/2010/main" val="2834489486"/>
+        <p14:creationId xmlns:p14="http://schemas.microsoft.com/office/powerpoint/2010/main" val="3961127921"/>
       </p:ext>
     </p:extLst>
   </p:cSld>
@@ -6348,6 +9026,369 @@
       </p:grpSpPr>
       <p:sp>
         <p:nvSpPr>
+          <p:cNvPr id="2" name="Titel 1">
+            <a:extLst>
+              <a:ext uri="{FF2B5EF4-FFF2-40B4-BE49-F238E27FC236}">
+                <a16:creationId xmlns:a16="http://schemas.microsoft.com/office/drawing/2014/main" id="{0E5B30C6-B4FD-8DA5-3E87-34CF5E8BBA9B}"/>
+              </a:ext>
+            </a:extLst>
+          </p:cNvPr>
+          <p:cNvSpPr>
+            <a:spLocks noGrp="1"/>
+          </p:cNvSpPr>
+          <p:nvPr>
+            <p:ph type="title"/>
+          </p:nvPr>
+        </p:nvSpPr>
+        <p:spPr/>
+        <p:txBody>
+          <a:bodyPr/>
+          <a:lstStyle/>
+          <a:p>
+            <a:r>
+              <a:rPr lang="nl-NL">
+                <a:latin typeface="Arial"/>
+                <a:cs typeface="Arial"/>
+              </a:rPr>
+              <a:t>Agenda</a:t>
+            </a:r>
+            <a:endParaRPr lang="nl-NL"/>
+          </a:p>
+        </p:txBody>
+      </p:sp>
+      <p:sp>
+        <p:nvSpPr>
+          <p:cNvPr id="5" name="Tijdelijke aanduiding voor tekst 4">
+            <a:extLst>
+              <a:ext uri="{FF2B5EF4-FFF2-40B4-BE49-F238E27FC236}">
+                <a16:creationId xmlns:a16="http://schemas.microsoft.com/office/drawing/2014/main" id="{355800B0-220E-4693-79C6-F1AE98692003}"/>
+              </a:ext>
+            </a:extLst>
+          </p:cNvPr>
+          <p:cNvSpPr>
+            <a:spLocks noGrp="1"/>
+          </p:cNvSpPr>
+          <p:nvPr>
+            <p:ph type="body" sz="quarter" idx="12"/>
+          </p:nvPr>
+        </p:nvSpPr>
+        <p:spPr>
+          <a:xfrm>
+            <a:off x="587375" y="1196975"/>
+            <a:ext cx="11315956" cy="4968875"/>
+          </a:xfrm>
+        </p:spPr>
+        <p:txBody>
+          <a:bodyPr vert="horz" lIns="91440" tIns="45720" rIns="91440" bIns="45720" rtlCol="0" anchor="t">
+            <a:noAutofit/>
+          </a:bodyPr>
+          <a:lstStyle/>
+          <a:p>
+            <a:pPr marL="0" indent="0">
+              <a:buNone/>
+            </a:pPr>
+            <a:endParaRPr lang="nl-NL" sz="2200" dirty="0">
+              <a:latin typeface="Arial"/>
+              <a:cs typeface="Arial"/>
+              <a:sym typeface="Wingdings" pitchFamily="2" charset="2"/>
+            </a:endParaRPr>
+          </a:p>
+          <a:p>
+            <a:r>
+              <a:rPr lang="nl-NL" sz="2200" b="1" dirty="0" err="1">
+                <a:latin typeface="Arial"/>
+                <a:cs typeface="Arial"/>
+                <a:sym typeface="Wingdings" pitchFamily="2" charset="2"/>
+              </a:rPr>
+              <a:t>Why</a:t>
+            </a:r>
+            <a:r>
+              <a:rPr lang="nl-NL" sz="2200" b="1" dirty="0">
+                <a:latin typeface="Arial"/>
+                <a:cs typeface="Arial"/>
+                <a:sym typeface="Wingdings" pitchFamily="2" charset="2"/>
+              </a:rPr>
+              <a:t> strong UX is </a:t>
+            </a:r>
+            <a:r>
+              <a:rPr lang="nl-NL" sz="2200" b="1" dirty="0" err="1">
+                <a:latin typeface="Arial"/>
+                <a:cs typeface="Arial"/>
+                <a:sym typeface="Wingdings" pitchFamily="2" charset="2"/>
+              </a:rPr>
+              <a:t>key</a:t>
+            </a:r>
+            <a:r>
+              <a:rPr lang="nl-NL" sz="2200" b="1" dirty="0">
+                <a:latin typeface="Arial"/>
+                <a:cs typeface="Arial"/>
+                <a:sym typeface="Wingdings" pitchFamily="2" charset="2"/>
+              </a:rPr>
+              <a:t> </a:t>
+            </a:r>
+            <a:r>
+              <a:rPr lang="nl-NL" sz="2200" b="1" dirty="0" err="1">
+                <a:latin typeface="Arial"/>
+                <a:cs typeface="Arial"/>
+                <a:sym typeface="Wingdings" pitchFamily="2" charset="2"/>
+              </a:rPr>
+              <a:t>to</a:t>
+            </a:r>
+            <a:r>
+              <a:rPr lang="nl-NL" sz="2200" b="1" dirty="0">
+                <a:latin typeface="Arial"/>
+                <a:cs typeface="Arial"/>
+                <a:sym typeface="Wingdings" pitchFamily="2" charset="2"/>
+              </a:rPr>
+              <a:t> </a:t>
+            </a:r>
+            <a:r>
+              <a:rPr lang="nl-NL" sz="2200" b="1" dirty="0" err="1">
+                <a:latin typeface="Arial"/>
+                <a:cs typeface="Arial"/>
+                <a:sym typeface="Wingdings" pitchFamily="2" charset="2"/>
+              </a:rPr>
+              <a:t>materialize</a:t>
+            </a:r>
+            <a:r>
+              <a:rPr lang="nl-NL" sz="2200" b="1" dirty="0">
+                <a:latin typeface="Arial"/>
+                <a:cs typeface="Arial"/>
+                <a:sym typeface="Wingdings" pitchFamily="2" charset="2"/>
+              </a:rPr>
+              <a:t> </a:t>
+            </a:r>
+            <a:r>
+              <a:rPr lang="nl-NL" sz="2200" b="1" dirty="0" err="1">
+                <a:latin typeface="Arial"/>
+                <a:cs typeface="Arial"/>
+                <a:sym typeface="Wingdings" pitchFamily="2" charset="2"/>
+              </a:rPr>
+              <a:t>our</a:t>
+            </a:r>
+            <a:r>
+              <a:rPr lang="nl-NL" sz="2200" b="1" dirty="0">
+                <a:latin typeface="Arial"/>
+                <a:cs typeface="Arial"/>
+                <a:sym typeface="Wingdings" pitchFamily="2" charset="2"/>
+              </a:rPr>
+              <a:t> </a:t>
+            </a:r>
+            <a:r>
+              <a:rPr lang="nl-NL" sz="2200" b="1" dirty="0" err="1">
+                <a:latin typeface="Arial"/>
+                <a:cs typeface="Arial"/>
+                <a:sym typeface="Wingdings" pitchFamily="2" charset="2"/>
+              </a:rPr>
+              <a:t>Strategy</a:t>
+            </a:r>
+            <a:endParaRPr lang="nl-NL" sz="2200" b="1" dirty="0">
+              <a:latin typeface="Arial"/>
+              <a:cs typeface="Arial"/>
+              <a:sym typeface="Wingdings" pitchFamily="2" charset="2"/>
+            </a:endParaRPr>
+          </a:p>
+          <a:p>
+            <a:r>
+              <a:rPr lang="nl-NL" sz="2200" dirty="0" err="1">
+                <a:latin typeface="Arial"/>
+                <a:cs typeface="Arial"/>
+              </a:rPr>
+              <a:t>Reflections</a:t>
+            </a:r>
+            <a:r>
+              <a:rPr lang="nl-NL" sz="2200" dirty="0">
+                <a:latin typeface="Arial"/>
+                <a:cs typeface="Arial"/>
+              </a:rPr>
+              <a:t>: </a:t>
+            </a:r>
+            <a:r>
+              <a:rPr lang="nl-NL" sz="2200" dirty="0" err="1">
+                <a:latin typeface="Arial"/>
+                <a:cs typeface="Arial"/>
+              </a:rPr>
+              <a:t>Where</a:t>
+            </a:r>
+            <a:r>
+              <a:rPr lang="nl-NL" sz="2200" dirty="0">
+                <a:latin typeface="Arial"/>
+                <a:cs typeface="Arial"/>
+              </a:rPr>
+              <a:t> we are </a:t>
+            </a:r>
+            <a:r>
+              <a:rPr lang="nl-NL" sz="2200" dirty="0" err="1">
+                <a:latin typeface="Arial"/>
+                <a:cs typeface="Arial"/>
+              </a:rPr>
+              <a:t>now</a:t>
+            </a:r>
+            <a:endParaRPr lang="nl-NL" sz="2200" dirty="0"/>
+          </a:p>
+          <a:p>
+            <a:r>
+              <a:rPr lang="nl-NL" sz="2200" dirty="0" err="1">
+                <a:latin typeface="Arial"/>
+                <a:cs typeface="Arial"/>
+              </a:rPr>
+              <a:t>Recommendations</a:t>
+            </a:r>
+            <a:r>
+              <a:rPr lang="nl-NL" sz="2200" dirty="0">
+                <a:latin typeface="Arial"/>
+                <a:cs typeface="Arial"/>
+              </a:rPr>
+              <a:t>: </a:t>
+            </a:r>
+            <a:r>
+              <a:rPr lang="nl-NL" sz="2200" dirty="0" err="1">
+                <a:latin typeface="Arial"/>
+                <a:cs typeface="Arial"/>
+              </a:rPr>
+              <a:t>What</a:t>
+            </a:r>
+            <a:r>
+              <a:rPr lang="nl-NL" sz="2200" dirty="0">
+                <a:latin typeface="Arial"/>
+                <a:cs typeface="Arial"/>
+              </a:rPr>
+              <a:t> &amp; </a:t>
+            </a:r>
+            <a:r>
+              <a:rPr lang="nl-NL" sz="2200" dirty="0" err="1">
+                <a:latin typeface="Arial"/>
+                <a:cs typeface="Arial"/>
+              </a:rPr>
+              <a:t>how</a:t>
+            </a:r>
+            <a:r>
+              <a:rPr lang="nl-NL" sz="2200" dirty="0">
+                <a:latin typeface="Arial"/>
+                <a:cs typeface="Arial"/>
+              </a:rPr>
+              <a:t> </a:t>
+            </a:r>
+            <a:r>
+              <a:rPr lang="nl-NL" sz="2200" dirty="0" err="1">
+                <a:latin typeface="Arial"/>
+                <a:cs typeface="Arial"/>
+              </a:rPr>
+              <a:t>to</a:t>
+            </a:r>
+            <a:r>
+              <a:rPr lang="nl-NL" sz="2200" dirty="0">
+                <a:latin typeface="Arial"/>
+                <a:cs typeface="Arial"/>
+              </a:rPr>
+              <a:t> </a:t>
+            </a:r>
+            <a:r>
+              <a:rPr lang="nl-NL" sz="2200" dirty="0" err="1">
+                <a:latin typeface="Arial"/>
+                <a:cs typeface="Arial"/>
+              </a:rPr>
+              <a:t>improve</a:t>
+            </a:r>
+            <a:endParaRPr lang="nl-NL" sz="2200" dirty="0">
+              <a:latin typeface="Arial"/>
+              <a:cs typeface="Arial"/>
+            </a:endParaRPr>
+          </a:p>
+          <a:p>
+            <a:pPr marL="184150" lvl="1" indent="0">
+              <a:buNone/>
+            </a:pPr>
+            <a:endParaRPr lang="nl-NL" sz="2200" dirty="0"/>
+          </a:p>
+          <a:p>
+            <a:pPr>
+              <a:buClr>
+                <a:srgbClr val="0092CF"/>
+              </a:buClr>
+            </a:pPr>
+            <a:r>
+              <a:rPr lang="nl-NL" sz="2200" dirty="0" err="1">
+                <a:latin typeface="Arial"/>
+                <a:cs typeface="Arial"/>
+              </a:rPr>
+              <a:t>Conclusion</a:t>
+            </a:r>
+            <a:endParaRPr lang="nl-NL" sz="2200" dirty="0">
+              <a:latin typeface="Arial"/>
+              <a:cs typeface="Arial"/>
+            </a:endParaRPr>
+          </a:p>
+          <a:p>
+            <a:pPr>
+              <a:buClr>
+                <a:srgbClr val="0092CF"/>
+              </a:buClr>
+            </a:pPr>
+            <a:r>
+              <a:rPr lang="nl-NL" sz="2200" dirty="0" err="1">
+                <a:latin typeface="Arial"/>
+                <a:cs typeface="Arial"/>
+              </a:rPr>
+              <a:t>Questions</a:t>
+            </a:r>
+            <a:r>
+              <a:rPr lang="nl-NL" sz="2200" dirty="0">
+                <a:latin typeface="Arial"/>
+                <a:cs typeface="Arial"/>
+              </a:rPr>
+              <a:t>/ </a:t>
+            </a:r>
+            <a:r>
+              <a:rPr lang="nl-NL" sz="2200" dirty="0" err="1">
+                <a:latin typeface="Arial"/>
+                <a:cs typeface="Arial"/>
+              </a:rPr>
+              <a:t>Discussion</a:t>
+            </a:r>
+            <a:r>
+              <a:rPr lang="nl-NL" sz="2200" dirty="0">
+                <a:latin typeface="Arial"/>
+                <a:cs typeface="Arial"/>
+              </a:rPr>
+              <a:t>/ Next Steps</a:t>
+            </a:r>
+            <a:endParaRPr lang="nl-NL" sz="2200" dirty="0"/>
+          </a:p>
+        </p:txBody>
+      </p:sp>
+    </p:spTree>
+    <p:extLst>
+      <p:ext uri="{BB962C8B-B14F-4D97-AF65-F5344CB8AC3E}">
+        <p14:creationId xmlns:p14="http://schemas.microsoft.com/office/powerpoint/2010/main" val="2834489486"/>
+      </p:ext>
+    </p:extLst>
+  </p:cSld>
+  <p:clrMapOvr>
+    <a:masterClrMapping/>
+  </p:clrMapOvr>
+</p:sld>
+</file>
+
+<file path=ppt/slides/slide4.xml><?xml version="1.0" encoding="utf-8"?>
+<p:sld xmlns:a="http://schemas.openxmlformats.org/drawingml/2006/main" xmlns:r="http://schemas.openxmlformats.org/officeDocument/2006/relationships" xmlns:p="http://schemas.openxmlformats.org/presentationml/2006/main">
+  <p:cSld>
+    <p:spTree>
+      <p:nvGrpSpPr>
+        <p:cNvPr id="1" name=""/>
+        <p:cNvGrpSpPr/>
+        <p:nvPr/>
+      </p:nvGrpSpPr>
+      <p:grpSpPr>
+        <a:xfrm>
+          <a:off x="0" y="0"/>
+          <a:ext cx="0" cy="0"/>
+          <a:chOff x="0" y="0"/>
+          <a:chExt cx="0" cy="0"/>
+        </a:xfrm>
+      </p:grpSpPr>
+      <p:sp>
+        <p:nvSpPr>
           <p:cNvPr id="2" name="Title 1">
             <a:extLst>
               <a:ext uri="{FF2B5EF4-FFF2-40B4-BE49-F238E27FC236}">
@@ -6411,7 +9452,7 @@
             <a:fld id="{8F91DE98-5B9A-4C57-AF25-752D64D42599}" type="slidenum">
               <a:rPr lang="en-GB" smtClean="0"/>
               <a:pPr/>
-              <a:t>3</a:t>
+              <a:t>4</a:t>
             </a:fld>
             <a:endParaRPr lang="en-GB"/>
           </a:p>
@@ -6632,7 +9673,7 @@
 </p:sld>
 </file>
 
-<file path=ppt/slides/slide4.xml><?xml version="1.0" encoding="utf-8"?>
+<file path=ppt/slides/slide5.xml><?xml version="1.0" encoding="utf-8"?>
 <p:sld xmlns:a="http://schemas.openxmlformats.org/drawingml/2006/main" xmlns:r="http://schemas.openxmlformats.org/officeDocument/2006/relationships" xmlns:p="http://schemas.openxmlformats.org/presentationml/2006/main">
   <p:cSld>
     <p:spTree>
@@ -7039,7 +10080,7 @@
 </p:sld>
 </file>
 
-<file path=ppt/slides/slide5.xml><?xml version="1.0" encoding="utf-8"?>
+<file path=ppt/slides/slide6.xml><?xml version="1.0" encoding="utf-8"?>
 <p:sld xmlns:a="http://schemas.openxmlformats.org/drawingml/2006/main" xmlns:r="http://schemas.openxmlformats.org/officeDocument/2006/relationships" xmlns:p="http://schemas.openxmlformats.org/presentationml/2006/main">
   <p:cSld>
     <p:spTree>
@@ -8377,216 +11418,6 @@
 </p:sld>
 </file>
 
-<file path=ppt/slides/slide6.xml><?xml version="1.0" encoding="utf-8"?>
-<p:sld xmlns:a="http://schemas.openxmlformats.org/drawingml/2006/main" xmlns:r="http://schemas.openxmlformats.org/officeDocument/2006/relationships" xmlns:p="http://schemas.openxmlformats.org/presentationml/2006/main">
-  <p:cSld>
-    <p:spTree>
-      <p:nvGrpSpPr>
-        <p:cNvPr id="1" name=""/>
-        <p:cNvGrpSpPr/>
-        <p:nvPr/>
-      </p:nvGrpSpPr>
-      <p:grpSpPr>
-        <a:xfrm>
-          <a:off x="0" y="0"/>
-          <a:ext cx="0" cy="0"/>
-          <a:chOff x="0" y="0"/>
-          <a:chExt cx="0" cy="0"/>
-        </a:xfrm>
-      </p:grpSpPr>
-      <p:sp>
-        <p:nvSpPr>
-          <p:cNvPr id="2" name="TextBox 1">
-            <a:extLst>
-              <a:ext uri="{FF2B5EF4-FFF2-40B4-BE49-F238E27FC236}">
-                <a16:creationId xmlns:a16="http://schemas.microsoft.com/office/drawing/2014/main" id="{6BD4F877-08F7-A5BB-EA82-EDE06127F026}"/>
-              </a:ext>
-            </a:extLst>
-          </p:cNvPr>
-          <p:cNvSpPr txBox="1"/>
-          <p:nvPr/>
-        </p:nvSpPr>
-        <p:spPr>
-          <a:xfrm>
-            <a:off x="1009135" y="1720840"/>
-            <a:ext cx="10173730" cy="2308324"/>
-          </a:xfrm>
-          <a:prstGeom prst="rect">
-            <a:avLst/>
-          </a:prstGeom>
-          <a:noFill/>
-        </p:spPr>
-        <p:txBody>
-          <a:bodyPr wrap="square" lIns="91440" tIns="45720" rIns="91440" bIns="45720" rtlCol="0" anchor="t">
-            <a:spAutoFit/>
-          </a:bodyPr>
-          <a:lstStyle/>
-          <a:p>
-            <a:r>
-              <a:rPr lang="en-GB" sz="3600" b="1">
-                <a:solidFill>
-                  <a:schemeClr val="accent4"/>
-                </a:solidFill>
-              </a:rPr>
-              <a:t>User Centered Design </a:t>
-            </a:r>
-            <a:r>
-              <a:rPr lang="en-GB" sz="3600" b="1">
-                <a:solidFill>
-                  <a:schemeClr val="accent1"/>
-                </a:solidFill>
-              </a:rPr>
-              <a:t>refers</a:t>
-            </a:r>
-            <a:r>
-              <a:rPr lang="en-GB" sz="3600" b="1">
-                <a:solidFill>
-                  <a:schemeClr val="accent1"/>
-                </a:solidFill>
-                <a:effectLst/>
-              </a:rPr>
-              <a:t> to </a:t>
-            </a:r>
-            <a:r>
-              <a:rPr lang="en-GB" sz="3600" b="1">
-                <a:solidFill>
-                  <a:schemeClr val="accent1"/>
-                </a:solidFill>
-              </a:rPr>
-              <a:t>an </a:t>
-            </a:r>
-            <a:r>
-              <a:rPr lang="en-GB" sz="3600" b="1">
-                <a:solidFill>
-                  <a:schemeClr val="accent6"/>
-                </a:solidFill>
-              </a:rPr>
-              <a:t>iterative</a:t>
-            </a:r>
-            <a:r>
-              <a:rPr lang="en-GB" sz="3600" b="1">
-                <a:solidFill>
-                  <a:schemeClr val="accent1"/>
-                </a:solidFill>
-              </a:rPr>
-              <a:t> design process in which we focus on</a:t>
-            </a:r>
-            <a:r>
-              <a:rPr lang="en-GB" sz="3600" b="1">
-                <a:solidFill>
-                  <a:schemeClr val="accent1"/>
-                </a:solidFill>
-                <a:effectLst/>
-              </a:rPr>
-              <a:t> </a:t>
-            </a:r>
-            <a:r>
-              <a:rPr lang="en-GB" sz="3600" b="1">
-                <a:solidFill>
-                  <a:schemeClr val="accent3"/>
-                </a:solidFill>
-              </a:rPr>
-              <a:t>the</a:t>
-            </a:r>
-            <a:r>
-              <a:rPr lang="en-GB" sz="3600" b="1">
-                <a:solidFill>
-                  <a:schemeClr val="accent3"/>
-                </a:solidFill>
-                <a:effectLst/>
-              </a:rPr>
-              <a:t> </a:t>
-            </a:r>
-            <a:r>
-              <a:rPr lang="en-GB" sz="3600" b="1">
-                <a:solidFill>
-                  <a:schemeClr val="accent3"/>
-                </a:solidFill>
-              </a:rPr>
-              <a:t>users</a:t>
-            </a:r>
-            <a:r>
-              <a:rPr lang="en-GB" sz="3600" b="1">
-                <a:solidFill>
-                  <a:schemeClr val="accent1"/>
-                </a:solidFill>
-              </a:rPr>
-              <a:t> </a:t>
-            </a:r>
-            <a:r>
-              <a:rPr lang="en-GB" sz="3600" b="1">
-                <a:solidFill>
-                  <a:schemeClr val="accent3"/>
-                </a:solidFill>
-                <a:effectLst/>
-              </a:rPr>
-              <a:t>and</a:t>
-            </a:r>
-            <a:r>
-              <a:rPr lang="en-GB" sz="3600" b="1">
-                <a:solidFill>
-                  <a:schemeClr val="accent1"/>
-                </a:solidFill>
-                <a:effectLst/>
-              </a:rPr>
-              <a:t> </a:t>
-            </a:r>
-            <a:r>
-              <a:rPr lang="en-GB" sz="3600" b="1">
-                <a:solidFill>
-                  <a:schemeClr val="accent3"/>
-                </a:solidFill>
-              </a:rPr>
-              <a:t>their needs</a:t>
-            </a:r>
-            <a:r>
-              <a:rPr lang="en-GB" sz="3600" b="1">
-                <a:solidFill>
-                  <a:schemeClr val="accent2"/>
-                </a:solidFill>
-              </a:rPr>
-              <a:t> </a:t>
-            </a:r>
-            <a:r>
-              <a:rPr lang="en-GB" sz="3600" b="1">
-                <a:solidFill>
-                  <a:schemeClr val="accent1"/>
-                </a:solidFill>
-              </a:rPr>
-              <a:t>in </a:t>
-            </a:r>
-            <a:r>
-              <a:rPr lang="en-GB" sz="3600" b="1">
-                <a:solidFill>
-                  <a:schemeClr val="accent2"/>
-                </a:solidFill>
-              </a:rPr>
-              <a:t>each phase</a:t>
-            </a:r>
-            <a:r>
-              <a:rPr lang="en-GB" sz="3600" b="1">
-                <a:solidFill>
-                  <a:schemeClr val="accent1"/>
-                </a:solidFill>
-              </a:rPr>
-              <a:t> of the design and product development process</a:t>
-            </a:r>
-          </a:p>
-        </p:txBody>
-      </p:sp>
-    </p:spTree>
-    <p:extLst>
-      <p:ext uri="{BB962C8B-B14F-4D97-AF65-F5344CB8AC3E}">
-        <p14:creationId xmlns:p14="http://schemas.microsoft.com/office/powerpoint/2010/main" val="528717180"/>
-      </p:ext>
-    </p:extLst>
-  </p:cSld>
-  <p:clrMapOvr>
-    <a:masterClrMapping/>
-  </p:clrMapOvr>
-</p:sld>
-</file>
-
 <file path=ppt/slides/slide7.xml><?xml version="1.0" encoding="utf-8"?>
 <p:sld xmlns:a="http://schemas.openxmlformats.org/drawingml/2006/main" xmlns:r="http://schemas.openxmlformats.org/officeDocument/2006/relationships" xmlns:p="http://schemas.openxmlformats.org/presentationml/2006/main">
   <p:cSld>
@@ -8606,6 +11437,216 @@
       </p:grpSpPr>
       <p:sp>
         <p:nvSpPr>
+          <p:cNvPr id="2" name="TextBox 1">
+            <a:extLst>
+              <a:ext uri="{FF2B5EF4-FFF2-40B4-BE49-F238E27FC236}">
+                <a16:creationId xmlns:a16="http://schemas.microsoft.com/office/drawing/2014/main" id="{6BD4F877-08F7-A5BB-EA82-EDE06127F026}"/>
+              </a:ext>
+            </a:extLst>
+          </p:cNvPr>
+          <p:cNvSpPr txBox="1"/>
+          <p:nvPr/>
+        </p:nvSpPr>
+        <p:spPr>
+          <a:xfrm>
+            <a:off x="1009135" y="1720840"/>
+            <a:ext cx="10173730" cy="2308324"/>
+          </a:xfrm>
+          <a:prstGeom prst="rect">
+            <a:avLst/>
+          </a:prstGeom>
+          <a:noFill/>
+        </p:spPr>
+        <p:txBody>
+          <a:bodyPr wrap="square" lIns="91440" tIns="45720" rIns="91440" bIns="45720" rtlCol="0" anchor="t">
+            <a:spAutoFit/>
+          </a:bodyPr>
+          <a:lstStyle/>
+          <a:p>
+            <a:r>
+              <a:rPr lang="en-GB" sz="3600" b="1">
+                <a:solidFill>
+                  <a:schemeClr val="accent4"/>
+                </a:solidFill>
+              </a:rPr>
+              <a:t>User Centered Design </a:t>
+            </a:r>
+            <a:r>
+              <a:rPr lang="en-GB" sz="3600" b="1">
+                <a:solidFill>
+                  <a:schemeClr val="accent1"/>
+                </a:solidFill>
+              </a:rPr>
+              <a:t>refers</a:t>
+            </a:r>
+            <a:r>
+              <a:rPr lang="en-GB" sz="3600" b="1">
+                <a:solidFill>
+                  <a:schemeClr val="accent1"/>
+                </a:solidFill>
+                <a:effectLst/>
+              </a:rPr>
+              <a:t> to </a:t>
+            </a:r>
+            <a:r>
+              <a:rPr lang="en-GB" sz="3600" b="1">
+                <a:solidFill>
+                  <a:schemeClr val="accent1"/>
+                </a:solidFill>
+              </a:rPr>
+              <a:t>an </a:t>
+            </a:r>
+            <a:r>
+              <a:rPr lang="en-GB" sz="3600" b="1">
+                <a:solidFill>
+                  <a:schemeClr val="accent6"/>
+                </a:solidFill>
+              </a:rPr>
+              <a:t>iterative</a:t>
+            </a:r>
+            <a:r>
+              <a:rPr lang="en-GB" sz="3600" b="1">
+                <a:solidFill>
+                  <a:schemeClr val="accent1"/>
+                </a:solidFill>
+              </a:rPr>
+              <a:t> design process in which we focus on</a:t>
+            </a:r>
+            <a:r>
+              <a:rPr lang="en-GB" sz="3600" b="1">
+                <a:solidFill>
+                  <a:schemeClr val="accent1"/>
+                </a:solidFill>
+                <a:effectLst/>
+              </a:rPr>
+              <a:t> </a:t>
+            </a:r>
+            <a:r>
+              <a:rPr lang="en-GB" sz="3600" b="1">
+                <a:solidFill>
+                  <a:schemeClr val="accent3"/>
+                </a:solidFill>
+              </a:rPr>
+              <a:t>the</a:t>
+            </a:r>
+            <a:r>
+              <a:rPr lang="en-GB" sz="3600" b="1">
+                <a:solidFill>
+                  <a:schemeClr val="accent3"/>
+                </a:solidFill>
+                <a:effectLst/>
+              </a:rPr>
+              <a:t> </a:t>
+            </a:r>
+            <a:r>
+              <a:rPr lang="en-GB" sz="3600" b="1">
+                <a:solidFill>
+                  <a:schemeClr val="accent3"/>
+                </a:solidFill>
+              </a:rPr>
+              <a:t>users</a:t>
+            </a:r>
+            <a:r>
+              <a:rPr lang="en-GB" sz="3600" b="1">
+                <a:solidFill>
+                  <a:schemeClr val="accent1"/>
+                </a:solidFill>
+              </a:rPr>
+              <a:t> </a:t>
+            </a:r>
+            <a:r>
+              <a:rPr lang="en-GB" sz="3600" b="1">
+                <a:solidFill>
+                  <a:schemeClr val="accent3"/>
+                </a:solidFill>
+                <a:effectLst/>
+              </a:rPr>
+              <a:t>and</a:t>
+            </a:r>
+            <a:r>
+              <a:rPr lang="en-GB" sz="3600" b="1">
+                <a:solidFill>
+                  <a:schemeClr val="accent1"/>
+                </a:solidFill>
+                <a:effectLst/>
+              </a:rPr>
+              <a:t> </a:t>
+            </a:r>
+            <a:r>
+              <a:rPr lang="en-GB" sz="3600" b="1">
+                <a:solidFill>
+                  <a:schemeClr val="accent3"/>
+                </a:solidFill>
+              </a:rPr>
+              <a:t>their needs</a:t>
+            </a:r>
+            <a:r>
+              <a:rPr lang="en-GB" sz="3600" b="1">
+                <a:solidFill>
+                  <a:schemeClr val="accent2"/>
+                </a:solidFill>
+              </a:rPr>
+              <a:t> </a:t>
+            </a:r>
+            <a:r>
+              <a:rPr lang="en-GB" sz="3600" b="1">
+                <a:solidFill>
+                  <a:schemeClr val="accent1"/>
+                </a:solidFill>
+              </a:rPr>
+              <a:t>in </a:t>
+            </a:r>
+            <a:r>
+              <a:rPr lang="en-GB" sz="3600" b="1">
+                <a:solidFill>
+                  <a:schemeClr val="accent2"/>
+                </a:solidFill>
+              </a:rPr>
+              <a:t>each phase</a:t>
+            </a:r>
+            <a:r>
+              <a:rPr lang="en-GB" sz="3600" b="1">
+                <a:solidFill>
+                  <a:schemeClr val="accent1"/>
+                </a:solidFill>
+              </a:rPr>
+              <a:t> of the design and product development process</a:t>
+            </a:r>
+          </a:p>
+        </p:txBody>
+      </p:sp>
+    </p:spTree>
+    <p:extLst>
+      <p:ext uri="{BB962C8B-B14F-4D97-AF65-F5344CB8AC3E}">
+        <p14:creationId xmlns:p14="http://schemas.microsoft.com/office/powerpoint/2010/main" val="528717180"/>
+      </p:ext>
+    </p:extLst>
+  </p:cSld>
+  <p:clrMapOvr>
+    <a:masterClrMapping/>
+  </p:clrMapOvr>
+</p:sld>
+</file>
+
+<file path=ppt/slides/slide8.xml><?xml version="1.0" encoding="utf-8"?>
+<p:sld xmlns:a="http://schemas.openxmlformats.org/drawingml/2006/main" xmlns:r="http://schemas.openxmlformats.org/officeDocument/2006/relationships" xmlns:p="http://schemas.openxmlformats.org/presentationml/2006/main">
+  <p:cSld>
+    <p:spTree>
+      <p:nvGrpSpPr>
+        <p:cNvPr id="1" name=""/>
+        <p:cNvGrpSpPr/>
+        <p:nvPr/>
+      </p:nvGrpSpPr>
+      <p:grpSpPr>
+        <a:xfrm>
+          <a:off x="0" y="0"/>
+          <a:ext cx="0" cy="0"/>
+          <a:chOff x="0" y="0"/>
+          <a:chExt cx="0" cy="0"/>
+        </a:xfrm>
+      </p:grpSpPr>
+      <p:sp>
+        <p:nvSpPr>
           <p:cNvPr id="2" name="Title 1">
             <a:extLst>
               <a:ext uri="{FF2B5EF4-FFF2-40B4-BE49-F238E27FC236}">
@@ -8656,7 +11697,7 @@
             <a:fld id="{8F91DE98-5B9A-4C57-AF25-752D64D42599}" type="slidenum">
               <a:rPr lang="en-GB" smtClean="0"/>
               <a:pPr/>
-              <a:t>7</a:t>
+              <a:t>8</a:t>
             </a:fld>
             <a:endParaRPr lang="en-GB"/>
           </a:p>
@@ -9447,71 +12488,6 @@
 </p:sld>
 </file>
 
-<file path=ppt/slides/slide8.xml><?xml version="1.0" encoding="utf-8"?>
-<p:sld xmlns:a="http://schemas.openxmlformats.org/drawingml/2006/main" xmlns:r="http://schemas.openxmlformats.org/officeDocument/2006/relationships" xmlns:p="http://schemas.openxmlformats.org/presentationml/2006/main">
-  <p:cSld>
-    <p:spTree>
-      <p:nvGrpSpPr>
-        <p:cNvPr id="1" name=""/>
-        <p:cNvGrpSpPr/>
-        <p:nvPr/>
-      </p:nvGrpSpPr>
-      <p:grpSpPr>
-        <a:xfrm>
-          <a:off x="0" y="0"/>
-          <a:ext cx="0" cy="0"/>
-          <a:chOff x="0" y="0"/>
-          <a:chExt cx="0" cy="0"/>
-        </a:xfrm>
-      </p:grpSpPr>
-      <p:sp>
-        <p:nvSpPr>
-          <p:cNvPr id="3" name="Text Placeholder 2">
-            <a:extLst>
-              <a:ext uri="{FF2B5EF4-FFF2-40B4-BE49-F238E27FC236}">
-                <a16:creationId xmlns:a16="http://schemas.microsoft.com/office/drawing/2014/main" id="{242ED0DE-7728-E0D3-C63B-7CD6A8D42BAF}"/>
-              </a:ext>
-            </a:extLst>
-          </p:cNvPr>
-          <p:cNvSpPr>
-            <a:spLocks noGrp="1"/>
-          </p:cNvSpPr>
-          <p:nvPr>
-            <p:ph type="body" sz="quarter" idx="23"/>
-          </p:nvPr>
-        </p:nvSpPr>
-        <p:spPr/>
-        <p:txBody>
-          <a:bodyPr>
-            <a:normAutofit fontScale="92500" lnSpcReduction="10000"/>
-          </a:bodyPr>
-          <a:lstStyle/>
-          <a:p>
-            <a:r>
-              <a:rPr lang="nl-NL" sz="4400">
-                <a:latin typeface="Arial"/>
-                <a:cs typeface="Arial"/>
-                <a:sym typeface="Wingdings" pitchFamily="2" charset="2"/>
-              </a:rPr>
-              <a:t>Strong UX Design &amp; UX Research is key to materialize our Strategy</a:t>
-            </a:r>
-            <a:endParaRPr lang="en-NL"/>
-          </a:p>
-        </p:txBody>
-      </p:sp>
-    </p:spTree>
-    <p:extLst>
-      <p:ext uri="{BB962C8B-B14F-4D97-AF65-F5344CB8AC3E}">
-        <p14:creationId xmlns:p14="http://schemas.microsoft.com/office/powerpoint/2010/main" val="305811184"/>
-      </p:ext>
-    </p:extLst>
-  </p:cSld>
-  <p:clrMapOvr>
-    <a:masterClrMapping/>
-  </p:clrMapOvr>
-</p:sld>
-</file>
-
 <file path=ppt/slides/slide9.xml><?xml version="1.0" encoding="utf-8"?>
 <p:sld xmlns:a="http://schemas.openxmlformats.org/drawingml/2006/main" xmlns:r="http://schemas.openxmlformats.org/officeDocument/2006/relationships" xmlns:p="http://schemas.openxmlformats.org/presentationml/2006/main">
   <p:cSld>
@@ -9531,10 +12507,10 @@
       </p:grpSpPr>
       <p:sp>
         <p:nvSpPr>
-          <p:cNvPr id="2" name="Title 1">
-            <a:extLst>
-              <a:ext uri="{FF2B5EF4-FFF2-40B4-BE49-F238E27FC236}">
-                <a16:creationId xmlns:a16="http://schemas.microsoft.com/office/drawing/2014/main" id="{74E13AE3-4507-3457-5632-FBE24939437A}"/>
+          <p:cNvPr id="3" name="Text Placeholder 2">
+            <a:extLst>
+              <a:ext uri="{FF2B5EF4-FFF2-40B4-BE49-F238E27FC236}">
+                <a16:creationId xmlns:a16="http://schemas.microsoft.com/office/drawing/2014/main" id="{242ED0DE-7728-E0D3-C63B-7CD6A8D42BAF}"/>
               </a:ext>
             </a:extLst>
           </p:cNvPr>
@@ -9542,189 +12518,32 @@
             <a:spLocks noGrp="1"/>
           </p:cNvSpPr>
           <p:nvPr>
-            <p:ph type="title"/>
+            <p:ph type="body" sz="quarter" idx="23"/>
           </p:nvPr>
         </p:nvSpPr>
         <p:spPr/>
         <p:txBody>
-          <a:bodyPr/>
+          <a:bodyPr>
+            <a:normAutofit fontScale="92500" lnSpcReduction="10000"/>
+          </a:bodyPr>
           <a:lstStyle/>
           <a:p>
             <a:r>
-              <a:rPr lang="nl-NL" sz="2200" b="1" err="1">
+              <a:rPr lang="nl-NL" sz="4400">
                 <a:latin typeface="Arial"/>
                 <a:cs typeface="Arial"/>
-              </a:rPr>
-              <a:t>Reflections</a:t>
-            </a:r>
-            <a:r>
-              <a:rPr lang="nl-NL" sz="2200" b="1">
-                <a:latin typeface="Arial"/>
-                <a:cs typeface="Arial"/>
-              </a:rPr>
-              <a:t>: </a:t>
-            </a:r>
-            <a:r>
-              <a:rPr lang="nl-NL" sz="2200" b="1" err="1">
-                <a:latin typeface="Arial"/>
-                <a:cs typeface="Arial"/>
-              </a:rPr>
-              <a:t>Where</a:t>
-            </a:r>
-            <a:r>
-              <a:rPr lang="nl-NL" sz="2200" b="1">
-                <a:latin typeface="Arial"/>
-                <a:cs typeface="Arial"/>
-              </a:rPr>
-              <a:t> we are </a:t>
-            </a:r>
-            <a:r>
-              <a:rPr lang="nl-NL" sz="2200" b="1" err="1">
-                <a:latin typeface="Arial"/>
-                <a:cs typeface="Arial"/>
-              </a:rPr>
-              <a:t>now</a:t>
+                <a:sym typeface="Wingdings" pitchFamily="2" charset="2"/>
+              </a:rPr>
+              <a:t>Strong UX Design &amp; UX Research is key to materialize our Strategy</a:t>
             </a:r>
             <a:endParaRPr lang="en-NL"/>
-          </a:p>
-        </p:txBody>
-      </p:sp>
-      <p:sp>
-        <p:nvSpPr>
-          <p:cNvPr id="3" name="Slide Number Placeholder 2">
-            <a:extLst>
-              <a:ext uri="{FF2B5EF4-FFF2-40B4-BE49-F238E27FC236}">
-                <a16:creationId xmlns:a16="http://schemas.microsoft.com/office/drawing/2014/main" id="{13524CB6-1271-8F78-01D5-9864A0F33A40}"/>
-              </a:ext>
-            </a:extLst>
-          </p:cNvPr>
-          <p:cNvSpPr>
-            <a:spLocks noGrp="1"/>
-          </p:cNvSpPr>
-          <p:nvPr>
-            <p:ph type="sldNum" sz="quarter" idx="10"/>
-          </p:nvPr>
-        </p:nvSpPr>
-        <p:spPr/>
-        <p:txBody>
-          <a:bodyPr/>
-          <a:lstStyle/>
-          <a:p>
-            <a:fld id="{8F91DE98-5B9A-4C57-AF25-752D64D42599}" type="slidenum">
-              <a:rPr lang="en-GB" smtClean="0"/>
-              <a:pPr/>
-              <a:t>9</a:t>
-            </a:fld>
-            <a:endParaRPr lang="en-GB"/>
-          </a:p>
-        </p:txBody>
-      </p:sp>
-      <p:sp>
-        <p:nvSpPr>
-          <p:cNvPr id="5" name="Text Placeholder 4">
-            <a:extLst>
-              <a:ext uri="{FF2B5EF4-FFF2-40B4-BE49-F238E27FC236}">
-                <a16:creationId xmlns:a16="http://schemas.microsoft.com/office/drawing/2014/main" id="{01F4F05A-C0FF-81F3-E71A-938236E2E4D9}"/>
-              </a:ext>
-            </a:extLst>
-          </p:cNvPr>
-          <p:cNvSpPr>
-            <a:spLocks noGrp="1"/>
-          </p:cNvSpPr>
-          <p:nvPr>
-            <p:ph type="body" sz="quarter" idx="12"/>
-          </p:nvPr>
-        </p:nvSpPr>
-        <p:spPr/>
-        <p:txBody>
-          <a:bodyPr>
-            <a:normAutofit fontScale="92500" lnSpcReduction="20000"/>
-          </a:bodyPr>
-          <a:lstStyle/>
-          <a:p>
-            <a:pPr marL="0" indent="0">
-              <a:buNone/>
-            </a:pPr>
-            <a:r>
-              <a:rPr lang="en-NL" dirty="0"/>
-              <a:t>A lot has been happening over the years to improve our UX, user insights and horizontal focus</a:t>
-            </a:r>
-          </a:p>
-          <a:p>
-            <a:pPr marL="0" indent="0">
-              <a:buNone/>
-            </a:pPr>
-            <a:endParaRPr lang="en-NL" dirty="0"/>
-          </a:p>
-          <a:p>
-            <a:r>
-              <a:rPr lang="en-NL" dirty="0"/>
-              <a:t>Creation of focus teams</a:t>
-            </a:r>
-          </a:p>
-          <a:p>
-            <a:r>
-              <a:rPr lang="en-NL" dirty="0"/>
-              <a:t>(Live) NPS score</a:t>
-            </a:r>
-          </a:p>
-          <a:p>
-            <a:r>
-              <a:rPr lang="en-NL" dirty="0"/>
-              <a:t>Gathering as much user research and insights as we can</a:t>
-            </a:r>
-          </a:p>
-          <a:p>
-            <a:r>
-              <a:rPr lang="en-NL" dirty="0"/>
-              <a:t>Started with vision work for SE and PE soon to be followed</a:t>
-            </a:r>
-          </a:p>
-          <a:p>
-            <a:r>
-              <a:rPr lang="en-NL" dirty="0"/>
-              <a:t>Way of working with double diamond model and opportunity and solution cards</a:t>
-            </a:r>
-          </a:p>
-          <a:p>
-            <a:r>
-              <a:rPr lang="en-NL" dirty="0"/>
-              <a:t>Creation of a design system (Pixel)</a:t>
-            </a:r>
-          </a:p>
-          <a:p>
-            <a:r>
-              <a:rPr lang="en-NL" dirty="0"/>
-              <a:t>UX Director role</a:t>
-            </a:r>
-          </a:p>
-          <a:p>
-            <a:r>
-              <a:rPr lang="en-NL" dirty="0"/>
-              <a:t>….</a:t>
-            </a:r>
-          </a:p>
-          <a:p>
-            <a:pPr marL="0" indent="0">
-              <a:buNone/>
-            </a:pPr>
-            <a:endParaRPr lang="en-NL" dirty="0"/>
-          </a:p>
-          <a:p>
-            <a:pPr marL="0" indent="0">
-              <a:buNone/>
-            </a:pPr>
-            <a:r>
-              <a:rPr lang="en-NL" dirty="0"/>
-              <a:t>but in order to reach our strategic goals, more maturity is needed</a:t>
-            </a:r>
           </a:p>
         </p:txBody>
       </p:sp>
     </p:spTree>
     <p:extLst>
       <p:ext uri="{BB962C8B-B14F-4D97-AF65-F5344CB8AC3E}">
-        <p14:creationId xmlns:p14="http://schemas.microsoft.com/office/powerpoint/2010/main" val="1796492452"/>
+        <p14:creationId xmlns:p14="http://schemas.microsoft.com/office/powerpoint/2010/main" val="305811184"/>
       </p:ext>
     </p:extLst>
   </p:cSld>
@@ -9755,6 +12574,18 @@
 <file path=ppt/tags/tag4.xml><?xml version="1.0" encoding="utf-8"?>
 <p:tagLst xmlns:a="http://schemas.openxmlformats.org/drawingml/2006/main" xmlns:r="http://schemas.openxmlformats.org/officeDocument/2006/relationships" xmlns:p="http://schemas.openxmlformats.org/presentationml/2006/main">
   <p:tag name="THINKCELLSHAPEDONOTDELETE" val="thinkcellActiveDocDoNotDelete"/>
+</p:tagLst>
+</file>
+
+<file path=ppt/tags/tag5.xml><?xml version="1.0" encoding="utf-8"?>
+<p:tagLst xmlns:a="http://schemas.openxmlformats.org/drawingml/2006/main" xmlns:r="http://schemas.openxmlformats.org/officeDocument/2006/relationships" xmlns:p="http://schemas.openxmlformats.org/presentationml/2006/main">
+  <p:tag name="THINKCELLSHAPEDONOTDELETE" val="thinkcellActiveDocDoNotDelete"/>
+</p:tagLst>
+</file>
+
+<file path=ppt/tags/tag6.xml><?xml version="1.0" encoding="utf-8"?>
+<p:tagLst xmlns:a="http://schemas.openxmlformats.org/drawingml/2006/main" xmlns:r="http://schemas.openxmlformats.org/officeDocument/2006/relationships" xmlns:p="http://schemas.openxmlformats.org/presentationml/2006/main">
+  <p:tag name="THINKCELLSHAPEDONOTDELETE" val="tLcbo0SR59T9pclun6isEVg"/>
 </p:tagLst>
 </file>
 
